--- a/papers/Presentation_281b.pptx
+++ b/papers/Presentation_281b.pptx
@@ -1,6 +1,6 @@
 
 <file path=ppt/presentation.xml><?xml version="1.0" encoding="utf-8"?>
-<p:presentation xmlns:a="http://schemas.openxmlformats.org/drawingml/2006/main" xmlns:r="http://schemas.openxmlformats.org/officeDocument/2006/relationships" xmlns:p="http://schemas.openxmlformats.org/presentationml/2006/main" saveSubsetFonts="1" autoCompressPictures="0">
+<p:presentation xmlns:a="http://schemas.openxmlformats.org/drawingml/2006/main" xmlns:r="http://schemas.openxmlformats.org/officeDocument/2006/relationships" xmlns:p="http://schemas.openxmlformats.org/presentationml/2006/main" saveSubsetFonts="1">
   <p:sldMasterIdLst>
     <p:sldMasterId id="2147483648" r:id="rId1"/>
   </p:sldMasterIdLst>
@@ -8,8 +8,11 @@
     <p:sldId id="256" r:id="rId2"/>
     <p:sldId id="257" r:id="rId3"/>
     <p:sldId id="258" r:id="rId4"/>
-    <p:sldId id="259" r:id="rId5"/>
+    <p:sldId id="263" r:id="rId5"/>
     <p:sldId id="260" r:id="rId6"/>
+    <p:sldId id="264" r:id="rId7"/>
+    <p:sldId id="261" r:id="rId8"/>
+    <p:sldId id="266" r:id="rId9"/>
   </p:sldIdLst>
   <p:sldSz cx="9144000" cy="6858000" type="screen4x3"/>
   <p:notesSz cx="6858000" cy="9144000"/>
@@ -17,7 +20,7 @@
     <a:defPPr>
       <a:defRPr lang="en-US"/>
     </a:defPPr>
-    <a:lvl1pPr marL="0" algn="l" defTabSz="457200" rtl="0" eaLnBrk="1" latinLnBrk="0" hangingPunct="1">
+    <a:lvl1pPr marL="0" algn="l" defTabSz="914400" rtl="0" eaLnBrk="1" latinLnBrk="0" hangingPunct="1">
       <a:defRPr sz="1800" kern="1200">
         <a:solidFill>
           <a:schemeClr val="tx1"/>
@@ -27,7 +30,7 @@
         <a:cs typeface="+mn-cs"/>
       </a:defRPr>
     </a:lvl1pPr>
-    <a:lvl2pPr marL="457200" algn="l" defTabSz="457200" rtl="0" eaLnBrk="1" latinLnBrk="0" hangingPunct="1">
+    <a:lvl2pPr marL="457200" algn="l" defTabSz="914400" rtl="0" eaLnBrk="1" latinLnBrk="0" hangingPunct="1">
       <a:defRPr sz="1800" kern="1200">
         <a:solidFill>
           <a:schemeClr val="tx1"/>
@@ -37,7 +40,7 @@
         <a:cs typeface="+mn-cs"/>
       </a:defRPr>
     </a:lvl2pPr>
-    <a:lvl3pPr marL="914400" algn="l" defTabSz="457200" rtl="0" eaLnBrk="1" latinLnBrk="0" hangingPunct="1">
+    <a:lvl3pPr marL="914400" algn="l" defTabSz="914400" rtl="0" eaLnBrk="1" latinLnBrk="0" hangingPunct="1">
       <a:defRPr sz="1800" kern="1200">
         <a:solidFill>
           <a:schemeClr val="tx1"/>
@@ -47,7 +50,7 @@
         <a:cs typeface="+mn-cs"/>
       </a:defRPr>
     </a:lvl3pPr>
-    <a:lvl4pPr marL="1371600" algn="l" defTabSz="457200" rtl="0" eaLnBrk="1" latinLnBrk="0" hangingPunct="1">
+    <a:lvl4pPr marL="1371600" algn="l" defTabSz="914400" rtl="0" eaLnBrk="1" latinLnBrk="0" hangingPunct="1">
       <a:defRPr sz="1800" kern="1200">
         <a:solidFill>
           <a:schemeClr val="tx1"/>
@@ -57,7 +60,7 @@
         <a:cs typeface="+mn-cs"/>
       </a:defRPr>
     </a:lvl4pPr>
-    <a:lvl5pPr marL="1828800" algn="l" defTabSz="457200" rtl="0" eaLnBrk="1" latinLnBrk="0" hangingPunct="1">
+    <a:lvl5pPr marL="1828800" algn="l" defTabSz="914400" rtl="0" eaLnBrk="1" latinLnBrk="0" hangingPunct="1">
       <a:defRPr sz="1800" kern="1200">
         <a:solidFill>
           <a:schemeClr val="tx1"/>
@@ -67,7 +70,7 @@
         <a:cs typeface="+mn-cs"/>
       </a:defRPr>
     </a:lvl5pPr>
-    <a:lvl6pPr marL="2286000" algn="l" defTabSz="457200" rtl="0" eaLnBrk="1" latinLnBrk="0" hangingPunct="1">
+    <a:lvl6pPr marL="2286000" algn="l" defTabSz="914400" rtl="0" eaLnBrk="1" latinLnBrk="0" hangingPunct="1">
       <a:defRPr sz="1800" kern="1200">
         <a:solidFill>
           <a:schemeClr val="tx1"/>
@@ -77,7 +80,7 @@
         <a:cs typeface="+mn-cs"/>
       </a:defRPr>
     </a:lvl6pPr>
-    <a:lvl7pPr marL="2743200" algn="l" defTabSz="457200" rtl="0" eaLnBrk="1" latinLnBrk="0" hangingPunct="1">
+    <a:lvl7pPr marL="2743200" algn="l" defTabSz="914400" rtl="0" eaLnBrk="1" latinLnBrk="0" hangingPunct="1">
       <a:defRPr sz="1800" kern="1200">
         <a:solidFill>
           <a:schemeClr val="tx1"/>
@@ -87,7 +90,7 @@
         <a:cs typeface="+mn-cs"/>
       </a:defRPr>
     </a:lvl7pPr>
-    <a:lvl8pPr marL="3200400" algn="l" defTabSz="457200" rtl="0" eaLnBrk="1" latinLnBrk="0" hangingPunct="1">
+    <a:lvl8pPr marL="3200400" algn="l" defTabSz="914400" rtl="0" eaLnBrk="1" latinLnBrk="0" hangingPunct="1">
       <a:defRPr sz="1800" kern="1200">
         <a:solidFill>
           <a:schemeClr val="tx1"/>
@@ -97,7 +100,7 @@
         <a:cs typeface="+mn-cs"/>
       </a:defRPr>
     </a:lvl8pPr>
-    <a:lvl9pPr marL="3657600" algn="l" defTabSz="457200" rtl="0" eaLnBrk="1" latinLnBrk="0" hangingPunct="1">
+    <a:lvl9pPr marL="3657600" algn="l" defTabSz="914400" rtl="0" eaLnBrk="1" latinLnBrk="0" hangingPunct="1">
       <a:defRPr sz="1800" kern="1200">
         <a:solidFill>
           <a:schemeClr val="tx1"/>
@@ -290,9 +293,9 @@
           <a:bodyPr/>
           <a:lstStyle/>
           <a:p>
-            <a:fld id="{978F7BD1-48B5-8548-B152-903050C2E2D4}" type="datetimeFigureOut">
-              <a:rPr lang="en-US" smtClean="0"/>
-              <a:t>3/12/12</a:t>
+            <a:fld id="{8C82A163-F885-4157-91FD-023A3CCAF28A}" type="datetimeFigureOut">
+              <a:rPr lang="en-US" smtClean="0"/>
+              <a:t>3/12/2012</a:t>
             </a:fld>
             <a:endParaRPr lang="en-US"/>
           </a:p>
@@ -332,7 +335,7 @@
           <a:bodyPr/>
           <a:lstStyle/>
           <a:p>
-            <a:fld id="{4D7127D4-469A-2E45-8320-A56C61BE317B}" type="slidenum">
+            <a:fld id="{8FDEA9D3-9947-45FA-8179-34E0B5476F69}" type="slidenum">
               <a:rPr lang="en-US" smtClean="0"/>
               <a:t>‹#›</a:t>
             </a:fld>
@@ -343,7 +346,7 @@
     </p:spTree>
     <p:extLst>
       <p:ext uri="{BB962C8B-B14F-4D97-AF65-F5344CB8AC3E}">
-        <p14:creationId xmlns:p14="http://schemas.microsoft.com/office/powerpoint/2010/main" val="2894094226"/>
+        <p14:creationId xmlns:p14="http://schemas.microsoft.com/office/powerpoint/2010/main" val="1830652310"/>
       </p:ext>
     </p:extLst>
   </p:cSld>
@@ -460,9 +463,9 @@
           <a:bodyPr/>
           <a:lstStyle/>
           <a:p>
-            <a:fld id="{978F7BD1-48B5-8548-B152-903050C2E2D4}" type="datetimeFigureOut">
-              <a:rPr lang="en-US" smtClean="0"/>
-              <a:t>3/12/12</a:t>
+            <a:fld id="{8C82A163-F885-4157-91FD-023A3CCAF28A}" type="datetimeFigureOut">
+              <a:rPr lang="en-US" smtClean="0"/>
+              <a:t>3/12/2012</a:t>
             </a:fld>
             <a:endParaRPr lang="en-US"/>
           </a:p>
@@ -502,7 +505,7 @@
           <a:bodyPr/>
           <a:lstStyle/>
           <a:p>
-            <a:fld id="{4D7127D4-469A-2E45-8320-A56C61BE317B}" type="slidenum">
+            <a:fld id="{8FDEA9D3-9947-45FA-8179-34E0B5476F69}" type="slidenum">
               <a:rPr lang="en-US" smtClean="0"/>
               <a:t>‹#›</a:t>
             </a:fld>
@@ -513,7 +516,7 @@
     </p:spTree>
     <p:extLst>
       <p:ext uri="{BB962C8B-B14F-4D97-AF65-F5344CB8AC3E}">
-        <p14:creationId xmlns:p14="http://schemas.microsoft.com/office/powerpoint/2010/main" val="3747361876"/>
+        <p14:creationId xmlns:p14="http://schemas.microsoft.com/office/powerpoint/2010/main" val="1224524678"/>
       </p:ext>
     </p:extLst>
   </p:cSld>
@@ -640,9 +643,9 @@
           <a:bodyPr/>
           <a:lstStyle/>
           <a:p>
-            <a:fld id="{978F7BD1-48B5-8548-B152-903050C2E2D4}" type="datetimeFigureOut">
-              <a:rPr lang="en-US" smtClean="0"/>
-              <a:t>3/12/12</a:t>
+            <a:fld id="{8C82A163-F885-4157-91FD-023A3CCAF28A}" type="datetimeFigureOut">
+              <a:rPr lang="en-US" smtClean="0"/>
+              <a:t>3/12/2012</a:t>
             </a:fld>
             <a:endParaRPr lang="en-US"/>
           </a:p>
@@ -682,7 +685,7 @@
           <a:bodyPr/>
           <a:lstStyle/>
           <a:p>
-            <a:fld id="{4D7127D4-469A-2E45-8320-A56C61BE317B}" type="slidenum">
+            <a:fld id="{8FDEA9D3-9947-45FA-8179-34E0B5476F69}" type="slidenum">
               <a:rPr lang="en-US" smtClean="0"/>
               <a:t>‹#›</a:t>
             </a:fld>
@@ -693,7 +696,7 @@
     </p:spTree>
     <p:extLst>
       <p:ext uri="{BB962C8B-B14F-4D97-AF65-F5344CB8AC3E}">
-        <p14:creationId xmlns:p14="http://schemas.microsoft.com/office/powerpoint/2010/main" val="595535849"/>
+        <p14:creationId xmlns:p14="http://schemas.microsoft.com/office/powerpoint/2010/main" val="271929487"/>
       </p:ext>
     </p:extLst>
   </p:cSld>
@@ -810,9 +813,9 @@
           <a:bodyPr/>
           <a:lstStyle/>
           <a:p>
-            <a:fld id="{978F7BD1-48B5-8548-B152-903050C2E2D4}" type="datetimeFigureOut">
-              <a:rPr lang="en-US" smtClean="0"/>
-              <a:t>3/12/12</a:t>
+            <a:fld id="{8C82A163-F885-4157-91FD-023A3CCAF28A}" type="datetimeFigureOut">
+              <a:rPr lang="en-US" smtClean="0"/>
+              <a:t>3/12/2012</a:t>
             </a:fld>
             <a:endParaRPr lang="en-US"/>
           </a:p>
@@ -852,7 +855,7 @@
           <a:bodyPr/>
           <a:lstStyle/>
           <a:p>
-            <a:fld id="{4D7127D4-469A-2E45-8320-A56C61BE317B}" type="slidenum">
+            <a:fld id="{8FDEA9D3-9947-45FA-8179-34E0B5476F69}" type="slidenum">
               <a:rPr lang="en-US" smtClean="0"/>
               <a:t>‹#›</a:t>
             </a:fld>
@@ -863,7 +866,7 @@
     </p:spTree>
     <p:extLst>
       <p:ext uri="{BB962C8B-B14F-4D97-AF65-F5344CB8AC3E}">
-        <p14:creationId xmlns:p14="http://schemas.microsoft.com/office/powerpoint/2010/main" val="2253383920"/>
+        <p14:creationId xmlns:p14="http://schemas.microsoft.com/office/powerpoint/2010/main" val="214511415"/>
       </p:ext>
     </p:extLst>
   </p:cSld>
@@ -1056,9 +1059,9 @@
           <a:bodyPr/>
           <a:lstStyle/>
           <a:p>
-            <a:fld id="{978F7BD1-48B5-8548-B152-903050C2E2D4}" type="datetimeFigureOut">
-              <a:rPr lang="en-US" smtClean="0"/>
-              <a:t>3/12/12</a:t>
+            <a:fld id="{8C82A163-F885-4157-91FD-023A3CCAF28A}" type="datetimeFigureOut">
+              <a:rPr lang="en-US" smtClean="0"/>
+              <a:t>3/12/2012</a:t>
             </a:fld>
             <a:endParaRPr lang="en-US"/>
           </a:p>
@@ -1098,7 +1101,7 @@
           <a:bodyPr/>
           <a:lstStyle/>
           <a:p>
-            <a:fld id="{4D7127D4-469A-2E45-8320-A56C61BE317B}" type="slidenum">
+            <a:fld id="{8FDEA9D3-9947-45FA-8179-34E0B5476F69}" type="slidenum">
               <a:rPr lang="en-US" smtClean="0"/>
               <a:t>‹#›</a:t>
             </a:fld>
@@ -1109,7 +1112,7 @@
     </p:spTree>
     <p:extLst>
       <p:ext uri="{BB962C8B-B14F-4D97-AF65-F5344CB8AC3E}">
-        <p14:creationId xmlns:p14="http://schemas.microsoft.com/office/powerpoint/2010/main" val="1943593214"/>
+        <p14:creationId xmlns:p14="http://schemas.microsoft.com/office/powerpoint/2010/main" val="1555137186"/>
       </p:ext>
     </p:extLst>
   </p:cSld>
@@ -1344,9 +1347,9 @@
           <a:bodyPr/>
           <a:lstStyle/>
           <a:p>
-            <a:fld id="{978F7BD1-48B5-8548-B152-903050C2E2D4}" type="datetimeFigureOut">
-              <a:rPr lang="en-US" smtClean="0"/>
-              <a:t>3/12/12</a:t>
+            <a:fld id="{8C82A163-F885-4157-91FD-023A3CCAF28A}" type="datetimeFigureOut">
+              <a:rPr lang="en-US" smtClean="0"/>
+              <a:t>3/12/2012</a:t>
             </a:fld>
             <a:endParaRPr lang="en-US"/>
           </a:p>
@@ -1386,7 +1389,7 @@
           <a:bodyPr/>
           <a:lstStyle/>
           <a:p>
-            <a:fld id="{4D7127D4-469A-2E45-8320-A56C61BE317B}" type="slidenum">
+            <a:fld id="{8FDEA9D3-9947-45FA-8179-34E0B5476F69}" type="slidenum">
               <a:rPr lang="en-US" smtClean="0"/>
               <a:t>‹#›</a:t>
             </a:fld>
@@ -1397,7 +1400,7 @@
     </p:spTree>
     <p:extLst>
       <p:ext uri="{BB962C8B-B14F-4D97-AF65-F5344CB8AC3E}">
-        <p14:creationId xmlns:p14="http://schemas.microsoft.com/office/powerpoint/2010/main" val="356197705"/>
+        <p14:creationId xmlns:p14="http://schemas.microsoft.com/office/powerpoint/2010/main" val="2831089123"/>
       </p:ext>
     </p:extLst>
   </p:cSld>
@@ -1766,9 +1769,9 @@
           <a:bodyPr/>
           <a:lstStyle/>
           <a:p>
-            <a:fld id="{978F7BD1-48B5-8548-B152-903050C2E2D4}" type="datetimeFigureOut">
-              <a:rPr lang="en-US" smtClean="0"/>
-              <a:t>3/12/12</a:t>
+            <a:fld id="{8C82A163-F885-4157-91FD-023A3CCAF28A}" type="datetimeFigureOut">
+              <a:rPr lang="en-US" smtClean="0"/>
+              <a:t>3/12/2012</a:t>
             </a:fld>
             <a:endParaRPr lang="en-US"/>
           </a:p>
@@ -1808,7 +1811,7 @@
           <a:bodyPr/>
           <a:lstStyle/>
           <a:p>
-            <a:fld id="{4D7127D4-469A-2E45-8320-A56C61BE317B}" type="slidenum">
+            <a:fld id="{8FDEA9D3-9947-45FA-8179-34E0B5476F69}" type="slidenum">
               <a:rPr lang="en-US" smtClean="0"/>
               <a:t>‹#›</a:t>
             </a:fld>
@@ -1819,7 +1822,7 @@
     </p:spTree>
     <p:extLst>
       <p:ext uri="{BB962C8B-B14F-4D97-AF65-F5344CB8AC3E}">
-        <p14:creationId xmlns:p14="http://schemas.microsoft.com/office/powerpoint/2010/main" val="3266237702"/>
+        <p14:creationId xmlns:p14="http://schemas.microsoft.com/office/powerpoint/2010/main" val="200995966"/>
       </p:ext>
     </p:extLst>
   </p:cSld>
@@ -1884,9 +1887,9 @@
           <a:bodyPr/>
           <a:lstStyle/>
           <a:p>
-            <a:fld id="{978F7BD1-48B5-8548-B152-903050C2E2D4}" type="datetimeFigureOut">
-              <a:rPr lang="en-US" smtClean="0"/>
-              <a:t>3/12/12</a:t>
+            <a:fld id="{8C82A163-F885-4157-91FD-023A3CCAF28A}" type="datetimeFigureOut">
+              <a:rPr lang="en-US" smtClean="0"/>
+              <a:t>3/12/2012</a:t>
             </a:fld>
             <a:endParaRPr lang="en-US"/>
           </a:p>
@@ -1926,7 +1929,7 @@
           <a:bodyPr/>
           <a:lstStyle/>
           <a:p>
-            <a:fld id="{4D7127D4-469A-2E45-8320-A56C61BE317B}" type="slidenum">
+            <a:fld id="{8FDEA9D3-9947-45FA-8179-34E0B5476F69}" type="slidenum">
               <a:rPr lang="en-US" smtClean="0"/>
               <a:t>‹#›</a:t>
             </a:fld>
@@ -1937,7 +1940,7 @@
     </p:spTree>
     <p:extLst>
       <p:ext uri="{BB962C8B-B14F-4D97-AF65-F5344CB8AC3E}">
-        <p14:creationId xmlns:p14="http://schemas.microsoft.com/office/powerpoint/2010/main" val="1914464555"/>
+        <p14:creationId xmlns:p14="http://schemas.microsoft.com/office/powerpoint/2010/main" val="644971440"/>
       </p:ext>
     </p:extLst>
   </p:cSld>
@@ -1979,9 +1982,9 @@
           <a:bodyPr/>
           <a:lstStyle/>
           <a:p>
-            <a:fld id="{978F7BD1-48B5-8548-B152-903050C2E2D4}" type="datetimeFigureOut">
-              <a:rPr lang="en-US" smtClean="0"/>
-              <a:t>3/12/12</a:t>
+            <a:fld id="{8C82A163-F885-4157-91FD-023A3CCAF28A}" type="datetimeFigureOut">
+              <a:rPr lang="en-US" smtClean="0"/>
+              <a:t>3/12/2012</a:t>
             </a:fld>
             <a:endParaRPr lang="en-US"/>
           </a:p>
@@ -2021,7 +2024,7 @@
           <a:bodyPr/>
           <a:lstStyle/>
           <a:p>
-            <a:fld id="{4D7127D4-469A-2E45-8320-A56C61BE317B}" type="slidenum">
+            <a:fld id="{8FDEA9D3-9947-45FA-8179-34E0B5476F69}" type="slidenum">
               <a:rPr lang="en-US" smtClean="0"/>
               <a:t>‹#›</a:t>
             </a:fld>
@@ -2032,7 +2035,7 @@
     </p:spTree>
     <p:extLst>
       <p:ext uri="{BB962C8B-B14F-4D97-AF65-F5344CB8AC3E}">
-        <p14:creationId xmlns:p14="http://schemas.microsoft.com/office/powerpoint/2010/main" val="1394907479"/>
+        <p14:creationId xmlns:p14="http://schemas.microsoft.com/office/powerpoint/2010/main" val="1380300336"/>
       </p:ext>
     </p:extLst>
   </p:cSld>
@@ -2256,9 +2259,9 @@
           <a:bodyPr/>
           <a:lstStyle/>
           <a:p>
-            <a:fld id="{978F7BD1-48B5-8548-B152-903050C2E2D4}" type="datetimeFigureOut">
-              <a:rPr lang="en-US" smtClean="0"/>
-              <a:t>3/12/12</a:t>
+            <a:fld id="{8C82A163-F885-4157-91FD-023A3CCAF28A}" type="datetimeFigureOut">
+              <a:rPr lang="en-US" smtClean="0"/>
+              <a:t>3/12/2012</a:t>
             </a:fld>
             <a:endParaRPr lang="en-US"/>
           </a:p>
@@ -2298,7 +2301,7 @@
           <a:bodyPr/>
           <a:lstStyle/>
           <a:p>
-            <a:fld id="{4D7127D4-469A-2E45-8320-A56C61BE317B}" type="slidenum">
+            <a:fld id="{8FDEA9D3-9947-45FA-8179-34E0B5476F69}" type="slidenum">
               <a:rPr lang="en-US" smtClean="0"/>
               <a:t>‹#›</a:t>
             </a:fld>
@@ -2309,7 +2312,7 @@
     </p:spTree>
     <p:extLst>
       <p:ext uri="{BB962C8B-B14F-4D97-AF65-F5344CB8AC3E}">
-        <p14:creationId xmlns:p14="http://schemas.microsoft.com/office/powerpoint/2010/main" val="2033817024"/>
+        <p14:creationId xmlns:p14="http://schemas.microsoft.com/office/powerpoint/2010/main" val="1665387320"/>
       </p:ext>
     </p:extLst>
   </p:cSld>
@@ -2509,9 +2512,9 @@
           <a:bodyPr/>
           <a:lstStyle/>
           <a:p>
-            <a:fld id="{978F7BD1-48B5-8548-B152-903050C2E2D4}" type="datetimeFigureOut">
-              <a:rPr lang="en-US" smtClean="0"/>
-              <a:t>3/12/12</a:t>
+            <a:fld id="{8C82A163-F885-4157-91FD-023A3CCAF28A}" type="datetimeFigureOut">
+              <a:rPr lang="en-US" smtClean="0"/>
+              <a:t>3/12/2012</a:t>
             </a:fld>
             <a:endParaRPr lang="en-US"/>
           </a:p>
@@ -2551,7 +2554,7 @@
           <a:bodyPr/>
           <a:lstStyle/>
           <a:p>
-            <a:fld id="{4D7127D4-469A-2E45-8320-A56C61BE317B}" type="slidenum">
+            <a:fld id="{8FDEA9D3-9947-45FA-8179-34E0B5476F69}" type="slidenum">
               <a:rPr lang="en-US" smtClean="0"/>
               <a:t>‹#›</a:t>
             </a:fld>
@@ -2562,7 +2565,7 @@
     </p:spTree>
     <p:extLst>
       <p:ext uri="{BB962C8B-B14F-4D97-AF65-F5344CB8AC3E}">
-        <p14:creationId xmlns:p14="http://schemas.microsoft.com/office/powerpoint/2010/main" val="651220624"/>
+        <p14:creationId xmlns:p14="http://schemas.microsoft.com/office/powerpoint/2010/main" val="204605751"/>
       </p:ext>
     </p:extLst>
   </p:cSld>
@@ -2722,9 +2725,9 @@
             </a:lvl1pPr>
           </a:lstStyle>
           <a:p>
-            <a:fld id="{978F7BD1-48B5-8548-B152-903050C2E2D4}" type="datetimeFigureOut">
-              <a:rPr lang="en-US" smtClean="0"/>
-              <a:t>3/12/12</a:t>
+            <a:fld id="{8C82A163-F885-4157-91FD-023A3CCAF28A}" type="datetimeFigureOut">
+              <a:rPr lang="en-US" smtClean="0"/>
+              <a:t>3/12/2012</a:t>
             </a:fld>
             <a:endParaRPr lang="en-US"/>
           </a:p>
@@ -2800,7 +2803,7 @@
             </a:lvl1pPr>
           </a:lstStyle>
           <a:p>
-            <a:fld id="{4D7127D4-469A-2E45-8320-A56C61BE317B}" type="slidenum">
+            <a:fld id="{8FDEA9D3-9947-45FA-8179-34E0B5476F69}" type="slidenum">
               <a:rPr lang="en-US" smtClean="0"/>
               <a:t>‹#›</a:t>
             </a:fld>
@@ -2811,7 +2814,7 @@
     </p:spTree>
     <p:extLst>
       <p:ext uri="{BB962C8B-B14F-4D97-AF65-F5344CB8AC3E}">
-        <p14:creationId xmlns:p14="http://schemas.microsoft.com/office/powerpoint/2010/main" val="3657750590"/>
+        <p14:creationId xmlns:p14="http://schemas.microsoft.com/office/powerpoint/2010/main" val="3999303473"/>
       </p:ext>
     </p:extLst>
   </p:cSld>
@@ -2831,7 +2834,7 @@
   </p:sldLayoutIdLst>
   <p:txStyles>
     <p:titleStyle>
-      <a:lvl1pPr algn="ctr" defTabSz="457200" rtl="0" eaLnBrk="1" latinLnBrk="0" hangingPunct="1">
+      <a:lvl1pPr algn="ctr" defTabSz="914400" rtl="0" eaLnBrk="1" latinLnBrk="0" hangingPunct="1">
         <a:spcBef>
           <a:spcPct val="0"/>
         </a:spcBef>
@@ -2847,11 +2850,11 @@
       </a:lvl1pPr>
     </p:titleStyle>
     <p:bodyStyle>
-      <a:lvl1pPr marL="342900" indent="-342900" algn="l" defTabSz="457200" rtl="0" eaLnBrk="1" latinLnBrk="0" hangingPunct="1">
+      <a:lvl1pPr marL="342900" indent="-342900" algn="l" defTabSz="914400" rtl="0" eaLnBrk="1" latinLnBrk="0" hangingPunct="1">
         <a:spcBef>
           <a:spcPct val="20000"/>
         </a:spcBef>
-        <a:buFont typeface="Arial"/>
+        <a:buFont typeface="Arial" pitchFamily="34" charset="0"/>
         <a:buChar char="•"/>
         <a:defRPr sz="3200" kern="1200">
           <a:solidFill>
@@ -2862,11 +2865,11 @@
           <a:cs typeface="+mn-cs"/>
         </a:defRPr>
       </a:lvl1pPr>
-      <a:lvl2pPr marL="742950" indent="-285750" algn="l" defTabSz="457200" rtl="0" eaLnBrk="1" latinLnBrk="0" hangingPunct="1">
+      <a:lvl2pPr marL="742950" indent="-285750" algn="l" defTabSz="914400" rtl="0" eaLnBrk="1" latinLnBrk="0" hangingPunct="1">
         <a:spcBef>
           <a:spcPct val="20000"/>
         </a:spcBef>
-        <a:buFont typeface="Arial"/>
+        <a:buFont typeface="Arial" pitchFamily="34" charset="0"/>
         <a:buChar char="–"/>
         <a:defRPr sz="2800" kern="1200">
           <a:solidFill>
@@ -2877,11 +2880,11 @@
           <a:cs typeface="+mn-cs"/>
         </a:defRPr>
       </a:lvl2pPr>
-      <a:lvl3pPr marL="1143000" indent="-228600" algn="l" defTabSz="457200" rtl="0" eaLnBrk="1" latinLnBrk="0" hangingPunct="1">
+      <a:lvl3pPr marL="1143000" indent="-228600" algn="l" defTabSz="914400" rtl="0" eaLnBrk="1" latinLnBrk="0" hangingPunct="1">
         <a:spcBef>
           <a:spcPct val="20000"/>
         </a:spcBef>
-        <a:buFont typeface="Arial"/>
+        <a:buFont typeface="Arial" pitchFamily="34" charset="0"/>
         <a:buChar char="•"/>
         <a:defRPr sz="2400" kern="1200">
           <a:solidFill>
@@ -2892,11 +2895,11 @@
           <a:cs typeface="+mn-cs"/>
         </a:defRPr>
       </a:lvl3pPr>
-      <a:lvl4pPr marL="1600200" indent="-228600" algn="l" defTabSz="457200" rtl="0" eaLnBrk="1" latinLnBrk="0" hangingPunct="1">
+      <a:lvl4pPr marL="1600200" indent="-228600" algn="l" defTabSz="914400" rtl="0" eaLnBrk="1" latinLnBrk="0" hangingPunct="1">
         <a:spcBef>
           <a:spcPct val="20000"/>
         </a:spcBef>
-        <a:buFont typeface="Arial"/>
+        <a:buFont typeface="Arial" pitchFamily="34" charset="0"/>
         <a:buChar char="–"/>
         <a:defRPr sz="2000" kern="1200">
           <a:solidFill>
@@ -2907,11 +2910,11 @@
           <a:cs typeface="+mn-cs"/>
         </a:defRPr>
       </a:lvl4pPr>
-      <a:lvl5pPr marL="2057400" indent="-228600" algn="l" defTabSz="457200" rtl="0" eaLnBrk="1" latinLnBrk="0" hangingPunct="1">
+      <a:lvl5pPr marL="2057400" indent="-228600" algn="l" defTabSz="914400" rtl="0" eaLnBrk="1" latinLnBrk="0" hangingPunct="1">
         <a:spcBef>
           <a:spcPct val="20000"/>
         </a:spcBef>
-        <a:buFont typeface="Arial"/>
+        <a:buFont typeface="Arial" pitchFamily="34" charset="0"/>
         <a:buChar char="»"/>
         <a:defRPr sz="2000" kern="1200">
           <a:solidFill>
@@ -2922,11 +2925,11 @@
           <a:cs typeface="+mn-cs"/>
         </a:defRPr>
       </a:lvl5pPr>
-      <a:lvl6pPr marL="2514600" indent="-228600" algn="l" defTabSz="457200" rtl="0" eaLnBrk="1" latinLnBrk="0" hangingPunct="1">
+      <a:lvl6pPr marL="2514600" indent="-228600" algn="l" defTabSz="914400" rtl="0" eaLnBrk="1" latinLnBrk="0" hangingPunct="1">
         <a:spcBef>
           <a:spcPct val="20000"/>
         </a:spcBef>
-        <a:buFont typeface="Arial"/>
+        <a:buFont typeface="Arial" pitchFamily="34" charset="0"/>
         <a:buChar char="•"/>
         <a:defRPr sz="2000" kern="1200">
           <a:solidFill>
@@ -2937,11 +2940,11 @@
           <a:cs typeface="+mn-cs"/>
         </a:defRPr>
       </a:lvl6pPr>
-      <a:lvl7pPr marL="2971800" indent="-228600" algn="l" defTabSz="457200" rtl="0" eaLnBrk="1" latinLnBrk="0" hangingPunct="1">
+      <a:lvl7pPr marL="2971800" indent="-228600" algn="l" defTabSz="914400" rtl="0" eaLnBrk="1" latinLnBrk="0" hangingPunct="1">
         <a:spcBef>
           <a:spcPct val="20000"/>
         </a:spcBef>
-        <a:buFont typeface="Arial"/>
+        <a:buFont typeface="Arial" pitchFamily="34" charset="0"/>
         <a:buChar char="•"/>
         <a:defRPr sz="2000" kern="1200">
           <a:solidFill>
@@ -2952,11 +2955,11 @@
           <a:cs typeface="+mn-cs"/>
         </a:defRPr>
       </a:lvl7pPr>
-      <a:lvl8pPr marL="3429000" indent="-228600" algn="l" defTabSz="457200" rtl="0" eaLnBrk="1" latinLnBrk="0" hangingPunct="1">
+      <a:lvl8pPr marL="3429000" indent="-228600" algn="l" defTabSz="914400" rtl="0" eaLnBrk="1" latinLnBrk="0" hangingPunct="1">
         <a:spcBef>
           <a:spcPct val="20000"/>
         </a:spcBef>
-        <a:buFont typeface="Arial"/>
+        <a:buFont typeface="Arial" pitchFamily="34" charset="0"/>
         <a:buChar char="•"/>
         <a:defRPr sz="2000" kern="1200">
           <a:solidFill>
@@ -2967,11 +2970,11 @@
           <a:cs typeface="+mn-cs"/>
         </a:defRPr>
       </a:lvl8pPr>
-      <a:lvl9pPr marL="3886200" indent="-228600" algn="l" defTabSz="457200" rtl="0" eaLnBrk="1" latinLnBrk="0" hangingPunct="1">
+      <a:lvl9pPr marL="3886200" indent="-228600" algn="l" defTabSz="914400" rtl="0" eaLnBrk="1" latinLnBrk="0" hangingPunct="1">
         <a:spcBef>
           <a:spcPct val="20000"/>
         </a:spcBef>
-        <a:buFont typeface="Arial"/>
+        <a:buFont typeface="Arial" pitchFamily="34" charset="0"/>
         <a:buChar char="•"/>
         <a:defRPr sz="2000" kern="1200">
           <a:solidFill>
@@ -2987,7 +2990,7 @@
       <a:defPPr>
         <a:defRPr lang="en-US"/>
       </a:defPPr>
-      <a:lvl1pPr marL="0" algn="l" defTabSz="457200" rtl="0" eaLnBrk="1" latinLnBrk="0" hangingPunct="1">
+      <a:lvl1pPr marL="0" algn="l" defTabSz="914400" rtl="0" eaLnBrk="1" latinLnBrk="0" hangingPunct="1">
         <a:defRPr sz="1800" kern="1200">
           <a:solidFill>
             <a:schemeClr val="tx1"/>
@@ -2997,7 +3000,7 @@
           <a:cs typeface="+mn-cs"/>
         </a:defRPr>
       </a:lvl1pPr>
-      <a:lvl2pPr marL="457200" algn="l" defTabSz="457200" rtl="0" eaLnBrk="1" latinLnBrk="0" hangingPunct="1">
+      <a:lvl2pPr marL="457200" algn="l" defTabSz="914400" rtl="0" eaLnBrk="1" latinLnBrk="0" hangingPunct="1">
         <a:defRPr sz="1800" kern="1200">
           <a:solidFill>
             <a:schemeClr val="tx1"/>
@@ -3007,7 +3010,7 @@
           <a:cs typeface="+mn-cs"/>
         </a:defRPr>
       </a:lvl2pPr>
-      <a:lvl3pPr marL="914400" algn="l" defTabSz="457200" rtl="0" eaLnBrk="1" latinLnBrk="0" hangingPunct="1">
+      <a:lvl3pPr marL="914400" algn="l" defTabSz="914400" rtl="0" eaLnBrk="1" latinLnBrk="0" hangingPunct="1">
         <a:defRPr sz="1800" kern="1200">
           <a:solidFill>
             <a:schemeClr val="tx1"/>
@@ -3017,7 +3020,7 @@
           <a:cs typeface="+mn-cs"/>
         </a:defRPr>
       </a:lvl3pPr>
-      <a:lvl4pPr marL="1371600" algn="l" defTabSz="457200" rtl="0" eaLnBrk="1" latinLnBrk="0" hangingPunct="1">
+      <a:lvl4pPr marL="1371600" algn="l" defTabSz="914400" rtl="0" eaLnBrk="1" latinLnBrk="0" hangingPunct="1">
         <a:defRPr sz="1800" kern="1200">
           <a:solidFill>
             <a:schemeClr val="tx1"/>
@@ -3027,7 +3030,7 @@
           <a:cs typeface="+mn-cs"/>
         </a:defRPr>
       </a:lvl4pPr>
-      <a:lvl5pPr marL="1828800" algn="l" defTabSz="457200" rtl="0" eaLnBrk="1" latinLnBrk="0" hangingPunct="1">
+      <a:lvl5pPr marL="1828800" algn="l" defTabSz="914400" rtl="0" eaLnBrk="1" latinLnBrk="0" hangingPunct="1">
         <a:defRPr sz="1800" kern="1200">
           <a:solidFill>
             <a:schemeClr val="tx1"/>
@@ -3037,7 +3040,7 @@
           <a:cs typeface="+mn-cs"/>
         </a:defRPr>
       </a:lvl5pPr>
-      <a:lvl6pPr marL="2286000" algn="l" defTabSz="457200" rtl="0" eaLnBrk="1" latinLnBrk="0" hangingPunct="1">
+      <a:lvl6pPr marL="2286000" algn="l" defTabSz="914400" rtl="0" eaLnBrk="1" latinLnBrk="0" hangingPunct="1">
         <a:defRPr sz="1800" kern="1200">
           <a:solidFill>
             <a:schemeClr val="tx1"/>
@@ -3047,7 +3050,7 @@
           <a:cs typeface="+mn-cs"/>
         </a:defRPr>
       </a:lvl6pPr>
-      <a:lvl7pPr marL="2743200" algn="l" defTabSz="457200" rtl="0" eaLnBrk="1" latinLnBrk="0" hangingPunct="1">
+      <a:lvl7pPr marL="2743200" algn="l" defTabSz="914400" rtl="0" eaLnBrk="1" latinLnBrk="0" hangingPunct="1">
         <a:defRPr sz="1800" kern="1200">
           <a:solidFill>
             <a:schemeClr val="tx1"/>
@@ -3057,7 +3060,7 @@
           <a:cs typeface="+mn-cs"/>
         </a:defRPr>
       </a:lvl7pPr>
-      <a:lvl8pPr marL="3200400" algn="l" defTabSz="457200" rtl="0" eaLnBrk="1" latinLnBrk="0" hangingPunct="1">
+      <a:lvl8pPr marL="3200400" algn="l" defTabSz="914400" rtl="0" eaLnBrk="1" latinLnBrk="0" hangingPunct="1">
         <a:defRPr sz="1800" kern="1200">
           <a:solidFill>
             <a:schemeClr val="tx1"/>
@@ -3067,7 +3070,7 @@
           <a:cs typeface="+mn-cs"/>
         </a:defRPr>
       </a:lvl8pPr>
-      <a:lvl9pPr marL="3657600" algn="l" defTabSz="457200" rtl="0" eaLnBrk="1" latinLnBrk="0" hangingPunct="1">
+      <a:lvl9pPr marL="3657600" algn="l" defTabSz="914400" rtl="0" eaLnBrk="1" latinLnBrk="0" hangingPunct="1">
         <a:defRPr sz="1800" kern="1200">
           <a:solidFill>
             <a:schemeClr val="tx1"/>
@@ -3114,7 +3117,11 @@
           <a:bodyPr/>
           <a:lstStyle/>
           <a:p>
-            <a:endParaRPr lang="en-US"/>
+            <a:r>
+              <a:rPr lang="en-US" dirty="0" smtClean="0"/>
+              <a:t>Coarse-to-Fine Gaussian Process Regression</a:t>
+            </a:r>
+            <a:endParaRPr lang="en-US" dirty="0"/>
           </a:p>
         </p:txBody>
       </p:sp>
@@ -3133,14 +3140,38 @@
           <a:bodyPr/>
           <a:lstStyle/>
           <a:p>
-            <a:endParaRPr lang="en-US"/>
+            <a:r>
+              <a:rPr lang="en-US" dirty="0" smtClean="0"/>
+              <a:t>Yusuf </a:t>
+            </a:r>
+            <a:r>
+              <a:rPr lang="en-US" dirty="0" err="1" smtClean="0"/>
+              <a:t>Erol</a:t>
+            </a:r>
+            <a:r>
+              <a:rPr lang="en-US" dirty="0" smtClean="0"/>
+              <a:t> and Dave Moore</a:t>
+            </a:r>
+          </a:p>
+          <a:p>
+            <a:r>
+              <a:rPr lang="en-US" dirty="0" smtClean="0"/>
+              <a:t>CS281B Spring 2012</a:t>
+            </a:r>
+          </a:p>
+          <a:p>
+            <a:r>
+              <a:rPr lang="en-US" dirty="0" smtClean="0"/>
+              <a:t>Midterm Presentation</a:t>
+            </a:r>
+            <a:endParaRPr lang="en-US" dirty="0"/>
           </a:p>
         </p:txBody>
       </p:sp>
     </p:spTree>
     <p:extLst>
       <p:ext uri="{BB962C8B-B14F-4D97-AF65-F5344CB8AC3E}">
-        <p14:creationId xmlns:p14="http://schemas.microsoft.com/office/powerpoint/2010/main" val="1508872498"/>
+        <p14:creationId xmlns:p14="http://schemas.microsoft.com/office/powerpoint/2010/main" val="1155178614"/>
       </p:ext>
     </p:extLst>
   </p:cSld>
@@ -3150,7 +3181,7 @@
   <p:timing>
     <p:tnLst>
       <p:par>
-        <p:cTn xmlns:p14="http://schemas.microsoft.com/office/powerpoint/2010/main" id="1" dur="indefinite" restart="never" nodeType="tmRoot"/>
+        <p:cTn id="1" dur="indefinite" restart="never" nodeType="tmRoot"/>
       </p:par>
     </p:tnLst>
   </p:timing>
@@ -3191,7 +3222,7 @@
           <a:p>
             <a:r>
               <a:rPr lang="en-US" dirty="0" smtClean="0"/>
-              <a:t>Computational Issues</a:t>
+              <a:t>Gaussian Process Regression</a:t>
             </a:r>
             <a:endParaRPr lang="en-US" dirty="0"/>
           </a:p>
@@ -3207,58 +3238,259 @@
             <p:ph idx="1"/>
           </p:nvPr>
         </p:nvSpPr>
-        <p:spPr/>
-        <p:txBody>
-          <a:bodyPr/>
-          <a:lstStyle/>
-          <a:p>
-            <a:r>
-              <a:rPr lang="en-US" dirty="0" smtClean="0"/>
-              <a:t>Inversion of the Gram Matrix requires O(N</a:t>
-            </a:r>
-            <a:r>
-              <a:rPr lang="en-US" baseline="30000" dirty="0" smtClean="0"/>
-              <a:t>3</a:t>
-            </a:r>
-            <a:r>
-              <a:rPr lang="en-US" dirty="0" smtClean="0"/>
-              <a:t>)</a:t>
-            </a:r>
-          </a:p>
-          <a:p>
-            <a:r>
-              <a:rPr lang="en-US" dirty="0" smtClean="0"/>
-              <a:t>Prediction at a point requires O(N) </a:t>
-            </a:r>
-            <a:endParaRPr lang="en-US" dirty="0"/>
-          </a:p>
-          <a:p>
-            <a:r>
-              <a:rPr lang="en-US" dirty="0" smtClean="0"/>
-              <a:t>The storage of the Kernel matrix requires        O(N</a:t>
-            </a:r>
-            <a:r>
-              <a:rPr lang="en-US" baseline="30000" dirty="0" smtClean="0"/>
+        <p:spPr>
+          <a:xfrm>
+            <a:off x="459889" y="1371600"/>
+            <a:ext cx="8229600" cy="2819400"/>
+          </a:xfrm>
+        </p:spPr>
+        <p:txBody>
+          <a:bodyPr>
+            <a:normAutofit/>
+          </a:bodyPr>
+          <a:lstStyle/>
+          <a:p>
+            <a:r>
+              <a:rPr lang="en-US" sz="2500" dirty="0" smtClean="0"/>
+              <a:t>Kernel-based probabilistic regression.</a:t>
+            </a:r>
+          </a:p>
+          <a:p>
+            <a:r>
+              <a:rPr lang="en-US" sz="2500" dirty="0" smtClean="0"/>
+              <a:t>Bayesian inference on functions with a </a:t>
+            </a:r>
+            <a:r>
+              <a:rPr lang="en-US" sz="2500" b="1" dirty="0" smtClean="0">
+                <a:solidFill>
+                  <a:srgbClr val="FF0000"/>
+                </a:solidFill>
+              </a:rPr>
+              <a:t>Gaussian Process prior</a:t>
+            </a:r>
+            <a:r>
+              <a:rPr lang="en-US" sz="2500" dirty="0" smtClean="0"/>
+              <a:t>: any finite set of function values f(</a:t>
+            </a:r>
+            <a:r>
+              <a:rPr lang="en-US" sz="2500" b="1" dirty="0" smtClean="0"/>
+              <a:t>x</a:t>
+            </a:r>
+            <a:r>
+              <a:rPr lang="en-US" sz="2500" baseline="-25000" dirty="0" smtClean="0"/>
+              <a:t>1</a:t>
+            </a:r>
+            <a:r>
+              <a:rPr lang="en-US" sz="2500" dirty="0" smtClean="0"/>
+              <a:t>), </a:t>
+            </a:r>
+            <a:r>
+              <a:rPr lang="en-US" sz="2500" dirty="0" smtClean="0"/>
+              <a:t>f(</a:t>
+            </a:r>
+            <a:r>
+              <a:rPr lang="en-US" sz="2500" b="1" dirty="0" smtClean="0"/>
+              <a:t>x</a:t>
+            </a:r>
+            <a:r>
+              <a:rPr lang="en-US" sz="2500" baseline="-25000" dirty="0"/>
               <a:t>2</a:t>
             </a:r>
             <a:r>
-              <a:rPr lang="en-US" dirty="0" smtClean="0"/>
-              <a:t>), has to be stored in slow memory</a:t>
-            </a:r>
-            <a:endParaRPr lang="en-US" dirty="0"/>
-          </a:p>
-          <a:p>
-            <a:r>
-              <a:rPr lang="en-US" dirty="0" smtClean="0"/>
-              <a:t>Depending on the Kernel and the structure of the problem, one may capture most of the information that can be gathered via exact methods by approximations</a:t>
-            </a:r>
-          </a:p>
-        </p:txBody>
-      </p:sp>
+              <a:rPr lang="en-US" sz="2500" dirty="0" smtClean="0"/>
+              <a:t>), …, f(</a:t>
+            </a:r>
+            <a:r>
+              <a:rPr lang="en-US" sz="2500" b="1" dirty="0" err="1" smtClean="0"/>
+              <a:t>x</a:t>
+            </a:r>
+            <a:r>
+              <a:rPr lang="en-US" sz="2500" baseline="-25000" dirty="0" err="1" smtClean="0"/>
+              <a:t>n</a:t>
+            </a:r>
+            <a:r>
+              <a:rPr lang="en-US" sz="2500" dirty="0" smtClean="0"/>
+              <a:t>) has a multivariate normal distribution, with </a:t>
+            </a:r>
+            <a:r>
+              <a:rPr lang="en-US" sz="2500" dirty="0" err="1" smtClean="0"/>
+              <a:t>covariances</a:t>
+            </a:r>
+            <a:r>
+              <a:rPr lang="en-US" sz="2500" dirty="0" smtClean="0"/>
+              <a:t> given by a </a:t>
+            </a:r>
+            <a:r>
+              <a:rPr lang="en-US" sz="2500" b="1" dirty="0" smtClean="0">
+                <a:solidFill>
+                  <a:srgbClr val="FF0000"/>
+                </a:solidFill>
+              </a:rPr>
+              <a:t>user-specified kernel</a:t>
+            </a:r>
+            <a:r>
+              <a:rPr lang="en-US" sz="2500" dirty="0" smtClean="0"/>
+              <a:t> k(</a:t>
+            </a:r>
+            <a:r>
+              <a:rPr lang="en-US" sz="2500" b="1" dirty="0" smtClean="0"/>
+              <a:t>x</a:t>
+            </a:r>
+            <a:r>
+              <a:rPr lang="en-US" sz="2500" baseline="-25000" dirty="0" smtClean="0"/>
+              <a:t>i</a:t>
+            </a:r>
+            <a:r>
+              <a:rPr lang="en-US" sz="2500" dirty="0" smtClean="0"/>
+              <a:t>, </a:t>
+            </a:r>
+            <a:r>
+              <a:rPr lang="en-US" sz="2500" b="1" dirty="0" err="1" smtClean="0"/>
+              <a:t>x</a:t>
+            </a:r>
+            <a:r>
+              <a:rPr lang="en-US" sz="2500" baseline="-25000" dirty="0" err="1" smtClean="0"/>
+              <a:t>j</a:t>
+            </a:r>
+            <a:r>
+              <a:rPr lang="en-US" sz="2500" dirty="0" smtClean="0"/>
+              <a:t>).</a:t>
+            </a:r>
+          </a:p>
+          <a:p>
+            <a:endParaRPr lang="en-US" sz="2500" dirty="0" smtClean="0"/>
+          </a:p>
+          <a:p>
+            <a:endParaRPr lang="en-US" sz="2500" dirty="0"/>
+          </a:p>
+        </p:txBody>
+      </p:sp>
+      <p:sp>
+        <p:nvSpPr>
+          <p:cNvPr id="4" name="TextBox 3"/>
+          <p:cNvSpPr txBox="1"/>
+          <p:nvPr/>
+        </p:nvSpPr>
+        <p:spPr>
+          <a:xfrm>
+            <a:off x="476922" y="6080864"/>
+            <a:ext cx="8362278" cy="477054"/>
+          </a:xfrm>
+          <a:prstGeom prst="rect">
+            <a:avLst/>
+          </a:prstGeom>
+          <a:noFill/>
+        </p:spPr>
+        <p:txBody>
+          <a:bodyPr wrap="square" rtlCol="0">
+            <a:spAutoFit/>
+          </a:bodyPr>
+          <a:lstStyle/>
+          <a:p>
+            <a:pPr marL="285750" indent="-285750">
+              <a:buFont typeface="Arial" pitchFamily="34" charset="0"/>
+              <a:buChar char="•"/>
+            </a:pPr>
+            <a:r>
+              <a:rPr lang="en-US" sz="2500" dirty="0" smtClean="0"/>
+              <a:t>Predicts </a:t>
+            </a:r>
+            <a:r>
+              <a:rPr lang="en-US" sz="2500" b="1" dirty="0" smtClean="0">
+                <a:solidFill>
+                  <a:srgbClr val="0070C0"/>
+                </a:solidFill>
+              </a:rPr>
+              <a:t>mean</a:t>
+            </a:r>
+            <a:r>
+              <a:rPr lang="en-US" sz="2500" dirty="0" smtClean="0"/>
+              <a:t> and </a:t>
+            </a:r>
+            <a:r>
+              <a:rPr lang="en-US" sz="2500" b="1" dirty="0" smtClean="0">
+                <a:solidFill>
+                  <a:srgbClr val="00B050"/>
+                </a:solidFill>
+              </a:rPr>
+              <a:t>variance</a:t>
+            </a:r>
+            <a:r>
+              <a:rPr lang="en-US" sz="2500" dirty="0" smtClean="0"/>
+              <a:t> conditioned on training data.</a:t>
+            </a:r>
+            <a:endParaRPr lang="en-US" sz="2500" dirty="0"/>
+          </a:p>
+        </p:txBody>
+      </p:sp>
+      <p:pic>
+        <p:nvPicPr>
+          <p:cNvPr id="1028" name="Picture 4"/>
+          <p:cNvPicPr>
+            <a:picLocks noChangeAspect="1" noChangeArrowheads="1"/>
+          </p:cNvPicPr>
+          <p:nvPr/>
+        </p:nvPicPr>
+        <p:blipFill>
+          <a:blip r:embed="rId2">
+            <a:extLst>
+              <a:ext uri="{28A0092B-C50C-407E-A947-70E740481C1C}">
+                <a14:useLocalDpi xmlns:a14="http://schemas.microsoft.com/office/drawing/2010/main" val="0"/>
+              </a:ext>
+            </a:extLst>
+          </a:blip>
+          <a:srcRect/>
+          <a:stretch>
+            <a:fillRect/>
+          </a:stretch>
+        </p:blipFill>
+        <p:spPr bwMode="auto">
+          <a:xfrm>
+            <a:off x="1524000" y="3505200"/>
+            <a:ext cx="6117046" cy="2637740"/>
+          </a:xfrm>
+          <a:prstGeom prst="rect">
+            <a:avLst/>
+          </a:prstGeom>
+          <a:noFill/>
+          <a:ln>
+            <a:noFill/>
+          </a:ln>
+          <a:effectLst/>
+          <a:extLst>
+            <a:ext uri="{909E8E84-426E-40DD-AFC4-6F175D3DCCD1}">
+              <a14:hiddenFill xmlns:a14="http://schemas.microsoft.com/office/drawing/2010/main">
+                <a:solidFill>
+                  <a:schemeClr val="accent1"/>
+                </a:solidFill>
+              </a14:hiddenFill>
+            </a:ext>
+            <a:ext uri="{91240B29-F687-4F45-9708-019B960494DF}">
+              <a14:hiddenLine xmlns:a14="http://schemas.microsoft.com/office/drawing/2010/main" w="9525">
+                <a:solidFill>
+                  <a:schemeClr val="tx1"/>
+                </a:solidFill>
+                <a:miter lim="800000"/>
+                <a:headEnd/>
+                <a:tailEnd/>
+              </a14:hiddenLine>
+            </a:ext>
+            <a:ext uri="{AF507438-7753-43E0-B8FC-AC1667EBCBE1}">
+              <a14:hiddenEffects xmlns:a14="http://schemas.microsoft.com/office/drawing/2010/main">
+                <a:effectLst>
+                  <a:outerShdw dist="35921" dir="2700000" algn="ctr" rotWithShape="0">
+                    <a:schemeClr val="bg2"/>
+                  </a:outerShdw>
+                </a:effectLst>
+              </a14:hiddenEffects>
+            </a:ext>
+          </a:extLst>
+        </p:spPr>
+      </p:pic>
     </p:spTree>
     <p:extLst>
       <p:ext uri="{BB962C8B-B14F-4D97-AF65-F5344CB8AC3E}">
-        <p14:creationId xmlns:p14="http://schemas.microsoft.com/office/powerpoint/2010/main" val="68974879"/>
+        <p14:creationId xmlns:p14="http://schemas.microsoft.com/office/powerpoint/2010/main" val="3560655090"/>
       </p:ext>
     </p:extLst>
   </p:cSld>
@@ -3268,7 +3500,7 @@
   <p:timing>
     <p:tnLst>
       <p:par>
-        <p:cTn xmlns:p14="http://schemas.microsoft.com/office/powerpoint/2010/main" id="1" dur="indefinite" restart="never" nodeType="tmRoot"/>
+        <p:cTn id="1" dur="indefinite" restart="never" nodeType="tmRoot"/>
       </p:par>
     </p:tnLst>
   </p:timing>
@@ -3309,6 +3541,817 @@
           <a:p>
             <a:r>
               <a:rPr lang="en-US" dirty="0" smtClean="0"/>
+              <a:t>Applications of GPR</a:t>
+            </a:r>
+            <a:endParaRPr lang="en-US" dirty="0"/>
+          </a:p>
+        </p:txBody>
+      </p:sp>
+      <p:sp>
+        <p:nvSpPr>
+          <p:cNvPr id="3" name="Content Placeholder 2"/>
+          <p:cNvSpPr>
+            <a:spLocks noGrp="1"/>
+          </p:cNvSpPr>
+          <p:nvPr>
+            <p:ph idx="1"/>
+          </p:nvPr>
+        </p:nvSpPr>
+        <p:spPr>
+          <a:xfrm>
+            <a:off x="457200" y="1600200"/>
+            <a:ext cx="8229600" cy="2438399"/>
+          </a:xfrm>
+        </p:spPr>
+        <p:txBody>
+          <a:bodyPr>
+            <a:normAutofit fontScale="92500" lnSpcReduction="10000"/>
+          </a:bodyPr>
+          <a:lstStyle/>
+          <a:p>
+            <a:r>
+              <a:rPr lang="en-US" dirty="0" smtClean="0"/>
+              <a:t>General </a:t>
+            </a:r>
+            <a:r>
+              <a:rPr lang="en-US" b="1" dirty="0" smtClean="0">
+                <a:solidFill>
+                  <a:srgbClr val="00B050"/>
+                </a:solidFill>
+              </a:rPr>
+              <a:t>nonlinear regression</a:t>
+            </a:r>
+            <a:r>
+              <a:rPr lang="en-US" dirty="0" smtClean="0"/>
+              <a:t>. </a:t>
+            </a:r>
+          </a:p>
+          <a:p>
+            <a:r>
+              <a:rPr lang="en-US" dirty="0" smtClean="0"/>
+              <a:t>Variance estimate enables active learning, global function optimization, etc.</a:t>
+            </a:r>
+          </a:p>
+          <a:p>
+            <a:r>
+              <a:rPr lang="en-US" dirty="0" smtClean="0"/>
+              <a:t>Integration into </a:t>
+            </a:r>
+            <a:r>
+              <a:rPr lang="en-US" b="1" dirty="0" smtClean="0">
+                <a:solidFill>
+                  <a:srgbClr val="0070C0"/>
+                </a:solidFill>
+              </a:rPr>
+              <a:t>Bayesian models</a:t>
+            </a:r>
+            <a:r>
+              <a:rPr lang="en-US" dirty="0" smtClean="0"/>
+              <a:t>.</a:t>
+            </a:r>
+          </a:p>
+          <a:p>
+            <a:r>
+              <a:rPr lang="en-US" dirty="0" smtClean="0"/>
+              <a:t>Knowledge engineering through choice of kernel.</a:t>
+            </a:r>
+            <a:endParaRPr lang="en-US" dirty="0"/>
+          </a:p>
+        </p:txBody>
+      </p:sp>
+      <p:graphicFrame>
+        <p:nvGraphicFramePr>
+          <p:cNvPr id="4" name="Table 3"/>
+          <p:cNvGraphicFramePr>
+            <a:graphicFrameLocks noGrp="1"/>
+          </p:cNvGraphicFramePr>
+          <p:nvPr>
+            <p:extLst>
+              <p:ext uri="{D42A27DB-BD31-4B8C-83A1-F6EECF244321}">
+                <p14:modId xmlns:p14="http://schemas.microsoft.com/office/powerpoint/2010/main" val="3367517542"/>
+              </p:ext>
+            </p:extLst>
+          </p:nvPr>
+        </p:nvGraphicFramePr>
+        <p:xfrm>
+          <a:off x="762000" y="4267200"/>
+          <a:ext cx="7467598" cy="1752600"/>
+        </p:xfrm>
+        <a:graphic>
+          <a:graphicData uri="http://schemas.openxmlformats.org/drawingml/2006/table">
+            <a:tbl>
+              <a:tblPr firstRow="1" bandRow="1">
+                <a:tableStyleId>{5C22544A-7EE6-4342-B048-85BDC9FD1C3A}</a:tableStyleId>
+              </a:tblPr>
+              <a:tblGrid>
+                <a:gridCol w="1974192"/>
+                <a:gridCol w="2521607"/>
+                <a:gridCol w="1752600"/>
+                <a:gridCol w="1219199"/>
+              </a:tblGrid>
+              <a:tr h="370840">
+                <a:tc>
+                  <a:txBody>
+                    <a:bodyPr/>
+                    <a:lstStyle/>
+                    <a:p>
+                      <a:r>
+                        <a:rPr lang="en-US" dirty="0" smtClean="0"/>
+                        <a:t>Dataset</a:t>
+                      </a:r>
+                      <a:endParaRPr lang="en-US" dirty="0"/>
+                    </a:p>
+                  </a:txBody>
+                  <a:tcPr/>
+                </a:tc>
+                <a:tc>
+                  <a:txBody>
+                    <a:bodyPr/>
+                    <a:lstStyle/>
+                    <a:p>
+                      <a:r>
+                        <a:rPr lang="en-US" dirty="0" smtClean="0"/>
+                        <a:t>Prediction</a:t>
+                      </a:r>
+                      <a:endParaRPr lang="en-US" dirty="0"/>
+                    </a:p>
+                  </a:txBody>
+                  <a:tcPr/>
+                </a:tc>
+                <a:tc>
+                  <a:txBody>
+                    <a:bodyPr/>
+                    <a:lstStyle/>
+                    <a:p>
+                      <a:r>
+                        <a:rPr lang="en-US" dirty="0" smtClean="0"/>
+                        <a:t># Training points</a:t>
+                      </a:r>
+                      <a:endParaRPr lang="en-US" dirty="0"/>
+                    </a:p>
+                  </a:txBody>
+                  <a:tcPr/>
+                </a:tc>
+                <a:tc>
+                  <a:txBody>
+                    <a:bodyPr/>
+                    <a:lstStyle/>
+                    <a:p>
+                      <a:r>
+                        <a:rPr lang="en-US" dirty="0" smtClean="0"/>
+                        <a:t>Dimension</a:t>
+                      </a:r>
+                      <a:endParaRPr lang="en-US" dirty="0"/>
+                    </a:p>
+                  </a:txBody>
+                  <a:tcPr/>
+                </a:tc>
+              </a:tr>
+              <a:tr h="370840">
+                <a:tc>
+                  <a:txBody>
+                    <a:bodyPr/>
+                    <a:lstStyle/>
+                    <a:p>
+                      <a:r>
+                        <a:rPr lang="en-US" b="1" dirty="0" smtClean="0"/>
+                        <a:t>Seismic arrivals</a:t>
+                      </a:r>
+                      <a:endParaRPr lang="en-US" b="1" dirty="0"/>
+                    </a:p>
+                  </a:txBody>
+                  <a:tcPr/>
+                </a:tc>
+                <a:tc>
+                  <a:txBody>
+                    <a:bodyPr/>
+                    <a:lstStyle/>
+                    <a:p>
+                      <a:r>
+                        <a:rPr lang="en-US" b="0" dirty="0" smtClean="0"/>
+                        <a:t>Wave propagation</a:t>
+                      </a:r>
+                      <a:r>
+                        <a:rPr lang="en-US" b="0" baseline="0" dirty="0" smtClean="0"/>
+                        <a:t> times from e</a:t>
+                      </a:r>
+                      <a:r>
+                        <a:rPr lang="en-US" b="0" dirty="0" smtClean="0"/>
+                        <a:t>vents</a:t>
+                      </a:r>
+                      <a:r>
+                        <a:rPr lang="en-US" b="0" baseline="0" dirty="0" smtClean="0"/>
+                        <a:t> </a:t>
+                      </a:r>
+                      <a:r>
+                        <a:rPr lang="en-US" b="0" dirty="0" smtClean="0"/>
+                        <a:t>to</a:t>
+                      </a:r>
+                      <a:r>
+                        <a:rPr lang="en-US" b="0" baseline="0" dirty="0" smtClean="0"/>
+                        <a:t> </a:t>
+                      </a:r>
+                      <a:r>
+                        <a:rPr lang="en-US" b="0" dirty="0" smtClean="0"/>
+                        <a:t>stations</a:t>
+                      </a:r>
+                      <a:endParaRPr lang="en-US" b="0" dirty="0"/>
+                    </a:p>
+                  </a:txBody>
+                  <a:tcPr/>
+                </a:tc>
+                <a:tc>
+                  <a:txBody>
+                    <a:bodyPr/>
+                    <a:lstStyle/>
+                    <a:p>
+                      <a:r>
+                        <a:rPr lang="en-US" dirty="0" smtClean="0"/>
+                        <a:t>150,000</a:t>
+                      </a:r>
+                      <a:endParaRPr lang="en-US" dirty="0"/>
+                    </a:p>
+                  </a:txBody>
+                  <a:tcPr/>
+                </a:tc>
+                <a:tc>
+                  <a:txBody>
+                    <a:bodyPr/>
+                    <a:lstStyle/>
+                    <a:p>
+                      <a:r>
+                        <a:rPr lang="en-US" dirty="0" smtClean="0"/>
+                        <a:t>5</a:t>
+                      </a:r>
+                      <a:endParaRPr lang="en-US" dirty="0"/>
+                    </a:p>
+                  </a:txBody>
+                  <a:tcPr/>
+                </a:tc>
+              </a:tr>
+              <a:tr h="370840">
+                <a:tc>
+                  <a:txBody>
+                    <a:bodyPr/>
+                    <a:lstStyle/>
+                    <a:p>
+                      <a:r>
+                        <a:rPr lang="en-US" b="1" dirty="0" smtClean="0"/>
+                        <a:t>SARCOS</a:t>
+                      </a:r>
+                      <a:endParaRPr lang="en-US" b="1" dirty="0"/>
+                    </a:p>
+                  </a:txBody>
+                  <a:tcPr/>
+                </a:tc>
+                <a:tc>
+                  <a:txBody>
+                    <a:bodyPr/>
+                    <a:lstStyle/>
+                    <a:p>
+                      <a:r>
+                        <a:rPr lang="en-US" dirty="0" smtClean="0"/>
+                        <a:t>Robot arm torque</a:t>
+                      </a:r>
+                      <a:endParaRPr lang="en-US" dirty="0"/>
+                    </a:p>
+                  </a:txBody>
+                  <a:tcPr/>
+                </a:tc>
+                <a:tc>
+                  <a:txBody>
+                    <a:bodyPr/>
+                    <a:lstStyle/>
+                    <a:p>
+                      <a:r>
+                        <a:rPr lang="en-US" dirty="0" smtClean="0"/>
+                        <a:t>45,000</a:t>
+                      </a:r>
+                      <a:endParaRPr lang="en-US" dirty="0"/>
+                    </a:p>
+                  </a:txBody>
+                  <a:tcPr/>
+                </a:tc>
+                <a:tc>
+                  <a:txBody>
+                    <a:bodyPr/>
+                    <a:lstStyle/>
+                    <a:p>
+                      <a:r>
+                        <a:rPr lang="en-US" dirty="0" smtClean="0"/>
+                        <a:t>21</a:t>
+                      </a:r>
+                      <a:endParaRPr lang="en-US" dirty="0"/>
+                    </a:p>
+                  </a:txBody>
+                  <a:tcPr/>
+                </a:tc>
+              </a:tr>
+              <a:tr h="370840">
+                <a:tc>
+                  <a:txBody>
+                    <a:bodyPr/>
+                    <a:lstStyle/>
+                    <a:p>
+                      <a:r>
+                        <a:rPr lang="en-US" b="1" dirty="0" smtClean="0"/>
+                        <a:t>Songs (MSD)</a:t>
+                      </a:r>
+                      <a:endParaRPr lang="en-US" b="1" dirty="0"/>
+                    </a:p>
+                  </a:txBody>
+                  <a:tcPr/>
+                </a:tc>
+                <a:tc>
+                  <a:txBody>
+                    <a:bodyPr/>
+                    <a:lstStyle/>
+                    <a:p>
+                      <a:r>
+                        <a:rPr lang="en-US" dirty="0" smtClean="0"/>
+                        <a:t>Year</a:t>
+                      </a:r>
+                      <a:r>
+                        <a:rPr lang="en-US" baseline="0" dirty="0" smtClean="0"/>
+                        <a:t> of song release</a:t>
+                      </a:r>
+                      <a:endParaRPr lang="en-US" dirty="0"/>
+                    </a:p>
+                  </a:txBody>
+                  <a:tcPr/>
+                </a:tc>
+                <a:tc>
+                  <a:txBody>
+                    <a:bodyPr/>
+                    <a:lstStyle/>
+                    <a:p>
+                      <a:r>
+                        <a:rPr lang="en-US" sz="1800" b="0" i="0" u="none" strike="noStrike" kern="1200" baseline="0" dirty="0" smtClean="0">
+                          <a:solidFill>
+                            <a:schemeClr val="dk1"/>
+                          </a:solidFill>
+                          <a:latin typeface="+mn-lt"/>
+                          <a:ea typeface="+mn-ea"/>
+                          <a:cs typeface="+mn-cs"/>
+                        </a:rPr>
+                        <a:t>463,000</a:t>
+                      </a:r>
+                      <a:endParaRPr lang="en-US" dirty="0"/>
+                    </a:p>
+                  </a:txBody>
+                  <a:tcPr/>
+                </a:tc>
+                <a:tc>
+                  <a:txBody>
+                    <a:bodyPr/>
+                    <a:lstStyle/>
+                    <a:p>
+                      <a:r>
+                        <a:rPr lang="en-US" dirty="0" smtClean="0"/>
+                        <a:t>90</a:t>
+                      </a:r>
+                      <a:endParaRPr lang="en-US" dirty="0"/>
+                    </a:p>
+                  </a:txBody>
+                  <a:tcPr/>
+                </a:tc>
+              </a:tr>
+            </a:tbl>
+          </a:graphicData>
+        </a:graphic>
+      </p:graphicFrame>
+    </p:spTree>
+    <p:extLst>
+      <p:ext uri="{BB962C8B-B14F-4D97-AF65-F5344CB8AC3E}">
+        <p14:creationId xmlns:p14="http://schemas.microsoft.com/office/powerpoint/2010/main" val="1949001334"/>
+      </p:ext>
+    </p:extLst>
+  </p:cSld>
+  <p:clrMapOvr>
+    <a:masterClrMapping/>
+  </p:clrMapOvr>
+  <p:timing>
+    <p:tnLst>
+      <p:par>
+        <p:cTn id="1" dur="indefinite" restart="never" nodeType="tmRoot"/>
+      </p:par>
+    </p:tnLst>
+  </p:timing>
+</p:sld>
+</file>
+
+<file path=ppt/slides/slide4.xml><?xml version="1.0" encoding="utf-8"?>
+<p:sld xmlns:a="http://schemas.openxmlformats.org/drawingml/2006/main" xmlns:r="http://schemas.openxmlformats.org/officeDocument/2006/relationships" xmlns:p="http://schemas.openxmlformats.org/presentationml/2006/main">
+  <p:cSld>
+    <p:spTree>
+      <p:nvGrpSpPr>
+        <p:cNvPr id="1" name=""/>
+        <p:cNvGrpSpPr/>
+        <p:nvPr/>
+      </p:nvGrpSpPr>
+      <p:grpSpPr>
+        <a:xfrm>
+          <a:off x="0" y="0"/>
+          <a:ext cx="0" cy="0"/>
+          <a:chOff x="0" y="0"/>
+          <a:chExt cx="0" cy="0"/>
+        </a:xfrm>
+      </p:grpSpPr>
+      <p:sp>
+        <p:nvSpPr>
+          <p:cNvPr id="2" name="Title 1"/>
+          <p:cNvSpPr>
+            <a:spLocks noGrp="1"/>
+          </p:cNvSpPr>
+          <p:nvPr>
+            <p:ph type="title"/>
+          </p:nvPr>
+        </p:nvSpPr>
+        <p:spPr/>
+        <p:txBody>
+          <a:bodyPr/>
+          <a:lstStyle/>
+          <a:p>
+            <a:r>
+              <a:rPr lang="en-US" dirty="0" smtClean="0"/>
+              <a:t>Computational Issues</a:t>
+            </a:r>
+            <a:endParaRPr lang="en-US" dirty="0"/>
+          </a:p>
+        </p:txBody>
+      </p:sp>
+      <p:sp>
+        <p:nvSpPr>
+          <p:cNvPr id="3" name="Content Placeholder 2"/>
+          <p:cNvSpPr>
+            <a:spLocks noGrp="1"/>
+          </p:cNvSpPr>
+          <p:nvPr>
+            <p:ph idx="1"/>
+          </p:nvPr>
+        </p:nvSpPr>
+        <p:spPr/>
+        <p:txBody>
+          <a:bodyPr>
+            <a:normAutofit/>
+          </a:bodyPr>
+          <a:lstStyle/>
+          <a:p>
+            <a:r>
+              <a:rPr lang="en-US" dirty="0" smtClean="0"/>
+              <a:t>Expected value at a test point is:</a:t>
+            </a:r>
+          </a:p>
+          <a:p>
+            <a:endParaRPr lang="en-US" dirty="0"/>
+          </a:p>
+          <a:p>
+            <a:endParaRPr lang="en-US" dirty="0" smtClean="0"/>
+          </a:p>
+          <a:p>
+            <a:r>
+              <a:rPr lang="en-US" dirty="0" smtClean="0"/>
+              <a:t>Inversion </a:t>
+            </a:r>
+            <a:r>
+              <a:rPr lang="en-US" dirty="0" smtClean="0"/>
+              <a:t>of the Gram Matrix requires O(N</a:t>
+            </a:r>
+            <a:r>
+              <a:rPr lang="en-US" baseline="30000" dirty="0" smtClean="0"/>
+              <a:t>3</a:t>
+            </a:r>
+            <a:r>
+              <a:rPr lang="en-US" dirty="0" smtClean="0"/>
+              <a:t>)</a:t>
+            </a:r>
+          </a:p>
+          <a:p>
+            <a:r>
+              <a:rPr lang="en-US" dirty="0" smtClean="0"/>
+              <a:t>Prediction at a point requires O(N) </a:t>
+            </a:r>
+            <a:endParaRPr lang="en-US" dirty="0"/>
+          </a:p>
+          <a:p>
+            <a:r>
+              <a:rPr lang="en-US" dirty="0" smtClean="0"/>
+              <a:t>The storage of the Kernel matrix requires </a:t>
+            </a:r>
+            <a:r>
+              <a:rPr lang="en-US" dirty="0" smtClean="0"/>
+              <a:t>O(N</a:t>
+            </a:r>
+            <a:r>
+              <a:rPr lang="en-US" baseline="30000" dirty="0" smtClean="0"/>
+              <a:t>2</a:t>
+            </a:r>
+            <a:r>
+              <a:rPr lang="en-US" dirty="0" smtClean="0"/>
+              <a:t>); for large N this has </a:t>
+            </a:r>
+            <a:r>
+              <a:rPr lang="en-US" dirty="0" smtClean="0"/>
+              <a:t>to be </a:t>
+            </a:r>
+            <a:r>
+              <a:rPr lang="en-US" dirty="0" smtClean="0"/>
+              <a:t>stored and read from disk.</a:t>
+            </a:r>
+            <a:endParaRPr lang="en-US" dirty="0"/>
+          </a:p>
+        </p:txBody>
+      </p:sp>
+      <p:pic>
+        <p:nvPicPr>
+          <p:cNvPr id="6" name="Picture 5"/>
+          <p:cNvPicPr>
+            <a:picLocks noChangeAspect="1"/>
+          </p:cNvPicPr>
+          <p:nvPr/>
+        </p:nvPicPr>
+        <p:blipFill>
+          <a:blip r:embed="rId2"/>
+          <a:stretch>
+            <a:fillRect/>
+          </a:stretch>
+        </p:blipFill>
+        <p:spPr>
+          <a:xfrm>
+            <a:off x="2057400" y="2348006"/>
+            <a:ext cx="4747419" cy="776194"/>
+          </a:xfrm>
+          <a:prstGeom prst="rect">
+            <a:avLst/>
+          </a:prstGeom>
+        </p:spPr>
+      </p:pic>
+    </p:spTree>
+    <p:extLst>
+      <p:ext uri="{BB962C8B-B14F-4D97-AF65-F5344CB8AC3E}">
+        <p14:creationId xmlns:p14="http://schemas.microsoft.com/office/powerpoint/2010/main" val="3999122359"/>
+      </p:ext>
+    </p:extLst>
+  </p:cSld>
+  <p:clrMapOvr>
+    <a:masterClrMapping/>
+  </p:clrMapOvr>
+  <p:timing>
+    <p:tnLst>
+      <p:par>
+        <p:cTn id="1" dur="indefinite" restart="never" nodeType="tmRoot"/>
+      </p:par>
+    </p:tnLst>
+  </p:timing>
+</p:sld>
+</file>
+
+<file path=ppt/slides/slide5.xml><?xml version="1.0" encoding="utf-8"?>
+<p:sld xmlns:a="http://schemas.openxmlformats.org/drawingml/2006/main" xmlns:r="http://schemas.openxmlformats.org/officeDocument/2006/relationships" xmlns:p="http://schemas.openxmlformats.org/presentationml/2006/main">
+  <p:cSld>
+    <p:spTree>
+      <p:nvGrpSpPr>
+        <p:cNvPr id="1" name=""/>
+        <p:cNvGrpSpPr/>
+        <p:nvPr/>
+      </p:nvGrpSpPr>
+      <p:grpSpPr>
+        <a:xfrm>
+          <a:off x="0" y="0"/>
+          <a:ext cx="0" cy="0"/>
+          <a:chOff x="0" y="0"/>
+          <a:chExt cx="0" cy="0"/>
+        </a:xfrm>
+      </p:grpSpPr>
+      <p:sp>
+        <p:nvSpPr>
+          <p:cNvPr id="2" name="Title 1"/>
+          <p:cNvSpPr>
+            <a:spLocks noGrp="1"/>
+          </p:cNvSpPr>
+          <p:nvPr>
+            <p:ph type="title"/>
+          </p:nvPr>
+        </p:nvSpPr>
+        <p:spPr/>
+        <p:txBody>
+          <a:bodyPr/>
+          <a:lstStyle/>
+          <a:p>
+            <a:r>
+              <a:rPr lang="en-US" dirty="0" smtClean="0"/>
+              <a:t>Approximation methods</a:t>
+            </a:r>
+            <a:endParaRPr lang="en-US" dirty="0"/>
+          </a:p>
+        </p:txBody>
+      </p:sp>
+      <p:sp>
+        <p:nvSpPr>
+          <p:cNvPr id="3" name="Content Placeholder 2"/>
+          <p:cNvSpPr>
+            <a:spLocks noGrp="1"/>
+          </p:cNvSpPr>
+          <p:nvPr>
+            <p:ph idx="1"/>
+          </p:nvPr>
+        </p:nvSpPr>
+        <p:spPr/>
+        <p:txBody>
+          <a:bodyPr>
+            <a:normAutofit fontScale="92500" lnSpcReduction="10000"/>
+          </a:bodyPr>
+          <a:lstStyle/>
+          <a:p>
+            <a:r>
+              <a:rPr lang="en-US" b="1" dirty="0" smtClean="0"/>
+              <a:t>Sparse approximations </a:t>
+            </a:r>
+            <a:r>
+              <a:rPr lang="en-US" dirty="0" smtClean="0"/>
+              <a:t>(e.g. </a:t>
+            </a:r>
+            <a:r>
+              <a:rPr lang="en-US" dirty="0" err="1" smtClean="0"/>
+              <a:t>Smola</a:t>
+            </a:r>
+            <a:r>
+              <a:rPr lang="en-US" dirty="0" smtClean="0"/>
+              <a:t> &amp; Bartlett ‘01)</a:t>
+            </a:r>
+          </a:p>
+          <a:p>
+            <a:r>
+              <a:rPr lang="en-US" b="1" dirty="0" smtClean="0"/>
+              <a:t>Reduced-rank approximations:</a:t>
+            </a:r>
+          </a:p>
+          <a:p>
+            <a:pPr lvl="1"/>
+            <a:r>
+              <a:rPr lang="en-US" dirty="0" smtClean="0"/>
+              <a:t>Approximate </a:t>
+            </a:r>
+            <a:r>
+              <a:rPr lang="en-US" dirty="0" err="1" smtClean="0"/>
+              <a:t>eigendecomposition</a:t>
+            </a:r>
+            <a:r>
+              <a:rPr lang="en-US" dirty="0" smtClean="0"/>
+              <a:t> </a:t>
+            </a:r>
+            <a:r>
+              <a:rPr lang="en-US" dirty="0" smtClean="0"/>
+              <a:t>(Williams &amp; Seeger ‘01)</a:t>
+            </a:r>
+            <a:endParaRPr lang="en-US" dirty="0" smtClean="0"/>
+          </a:p>
+          <a:p>
+            <a:pPr lvl="1"/>
+            <a:r>
+              <a:rPr lang="en-US" dirty="0" smtClean="0"/>
+              <a:t>Conjugate gradients (Gibbs &amp; MacKay, ‘97) </a:t>
+            </a:r>
+          </a:p>
+          <a:p>
+            <a:pPr lvl="1"/>
+            <a:r>
+              <a:rPr lang="en-US" dirty="0" smtClean="0"/>
+              <a:t>Random features (</a:t>
+            </a:r>
+            <a:r>
+              <a:rPr lang="en-US" dirty="0" err="1" smtClean="0"/>
+              <a:t>Rahimi</a:t>
+            </a:r>
+            <a:r>
+              <a:rPr lang="en-US" dirty="0" smtClean="0"/>
+              <a:t> &amp; </a:t>
+            </a:r>
+            <a:r>
+              <a:rPr lang="en-US" dirty="0" err="1" smtClean="0"/>
+              <a:t>Recht</a:t>
+            </a:r>
+            <a:r>
+              <a:rPr lang="en-US" dirty="0" smtClean="0"/>
+              <a:t> ‘08)</a:t>
+            </a:r>
+          </a:p>
+          <a:p>
+            <a:r>
+              <a:rPr lang="en-US" b="1" dirty="0" smtClean="0"/>
+              <a:t>Bayesian Committee Machine </a:t>
+            </a:r>
+            <a:r>
+              <a:rPr lang="en-US" dirty="0" smtClean="0"/>
+              <a:t>(</a:t>
+            </a:r>
+            <a:r>
+              <a:rPr lang="en-US" dirty="0" err="1" smtClean="0"/>
+              <a:t>Tresp</a:t>
+            </a:r>
+            <a:r>
+              <a:rPr lang="en-US" dirty="0" smtClean="0"/>
+              <a:t>, ‘00)</a:t>
+            </a:r>
+          </a:p>
+          <a:p>
+            <a:r>
+              <a:rPr lang="en-US" b="1" dirty="0" smtClean="0"/>
+              <a:t>Space-partitioning trees </a:t>
+            </a:r>
+            <a:r>
+              <a:rPr lang="en-US" dirty="0" smtClean="0"/>
+              <a:t>(</a:t>
+            </a:r>
+            <a:r>
+              <a:rPr lang="en-US" dirty="0" err="1" smtClean="0"/>
+              <a:t>Shen</a:t>
+            </a:r>
+            <a:r>
+              <a:rPr lang="en-US" dirty="0" smtClean="0"/>
+              <a:t>, Ng, Seeger ‘06)</a:t>
+            </a:r>
+          </a:p>
+          <a:p>
+            <a:r>
+              <a:rPr lang="en-US" b="1" dirty="0" smtClean="0"/>
+              <a:t>Fast </a:t>
+            </a:r>
+            <a:r>
+              <a:rPr lang="en-US" b="1" dirty="0" err="1" smtClean="0"/>
+              <a:t>multipole</a:t>
+            </a:r>
+            <a:r>
+              <a:rPr lang="en-US" b="1" dirty="0" smtClean="0"/>
+              <a:t> methods </a:t>
+            </a:r>
+            <a:r>
+              <a:rPr lang="en-US" dirty="0" smtClean="0"/>
+              <a:t>(Yang et. al ‘05)</a:t>
+            </a:r>
+          </a:p>
+          <a:p>
+            <a:endParaRPr lang="en-US" dirty="0" smtClean="0"/>
+          </a:p>
+          <a:p>
+            <a:endParaRPr lang="en-US" dirty="0"/>
+          </a:p>
+        </p:txBody>
+      </p:sp>
+    </p:spTree>
+    <p:extLst>
+      <p:ext uri="{BB962C8B-B14F-4D97-AF65-F5344CB8AC3E}">
+        <p14:creationId xmlns:p14="http://schemas.microsoft.com/office/powerpoint/2010/main" val="2277642192"/>
+      </p:ext>
+    </p:extLst>
+  </p:cSld>
+  <p:clrMapOvr>
+    <a:masterClrMapping/>
+  </p:clrMapOvr>
+  <p:timing>
+    <p:tnLst>
+      <p:par>
+        <p:cTn id="1" dur="indefinite" restart="never" nodeType="tmRoot"/>
+      </p:par>
+    </p:tnLst>
+  </p:timing>
+</p:sld>
+</file>
+
+<file path=ppt/slides/slide6.xml><?xml version="1.0" encoding="utf-8"?>
+<p:sld xmlns:a="http://schemas.openxmlformats.org/drawingml/2006/main" xmlns:r="http://schemas.openxmlformats.org/officeDocument/2006/relationships" xmlns:p="http://schemas.openxmlformats.org/presentationml/2006/main">
+  <p:cSld>
+    <p:spTree>
+      <p:nvGrpSpPr>
+        <p:cNvPr id="1" name=""/>
+        <p:cNvGrpSpPr/>
+        <p:nvPr/>
+      </p:nvGrpSpPr>
+      <p:grpSpPr>
+        <a:xfrm>
+          <a:off x="0" y="0"/>
+          <a:ext cx="0" cy="0"/>
+          <a:chOff x="0" y="0"/>
+          <a:chExt cx="0" cy="0"/>
+        </a:xfrm>
+      </p:grpSpPr>
+      <p:sp>
+        <p:nvSpPr>
+          <p:cNvPr id="2" name="Title 1"/>
+          <p:cNvSpPr>
+            <a:spLocks noGrp="1"/>
+          </p:cNvSpPr>
+          <p:nvPr>
+            <p:ph type="title"/>
+          </p:nvPr>
+        </p:nvSpPr>
+        <p:spPr/>
+        <p:txBody>
+          <a:bodyPr/>
+          <a:lstStyle/>
+          <a:p>
+            <a:r>
+              <a:rPr lang="en-US" dirty="0" smtClean="0"/>
               <a:t>Low Rank Approximations</a:t>
             </a:r>
             <a:endParaRPr lang="en-US" dirty="0"/>
@@ -3470,7 +4513,7 @@
           <p:nvPr/>
         </p:nvPicPr>
         <p:blipFill>
-          <a:blip r:embed="rId2">
+          <a:blip r:embed="rId2" cstate="print">
             <a:extLst>
               <a:ext uri="{28A0092B-C50C-407E-A947-70E740481C1C}">
                 <a14:useLocalDpi xmlns:a14="http://schemas.microsoft.com/office/drawing/2010/main" val="0"/>
@@ -3638,7 +4681,7 @@
     </p:spTree>
     <p:extLst>
       <p:ext uri="{BB962C8B-B14F-4D97-AF65-F5344CB8AC3E}">
-        <p14:creationId xmlns:p14="http://schemas.microsoft.com/office/powerpoint/2010/main" val="732782748"/>
+        <p14:creationId xmlns:p14="http://schemas.microsoft.com/office/powerpoint/2010/main" val="2447956229"/>
       </p:ext>
     </p:extLst>
   </p:cSld>
@@ -3648,14 +4691,14 @@
   <p:timing>
     <p:tnLst>
       <p:par>
-        <p:cTn xmlns:p14="http://schemas.microsoft.com/office/powerpoint/2010/main" id="1" dur="indefinite" restart="never" nodeType="tmRoot"/>
+        <p:cTn id="1" dur="indefinite" restart="never" nodeType="tmRoot"/>
       </p:par>
     </p:tnLst>
   </p:timing>
 </p:sld>
 </file>
 
-<file path=ppt/slides/slide4.xml><?xml version="1.0" encoding="utf-8"?>
+<file path=ppt/slides/slide7.xml><?xml version="1.0" encoding="utf-8"?>
 <p:sld xmlns:a="http://schemas.openxmlformats.org/drawingml/2006/main" xmlns:r="http://schemas.openxmlformats.org/officeDocument/2006/relationships" xmlns:p="http://schemas.openxmlformats.org/presentationml/2006/main">
   <p:cSld>
     <p:spTree>
@@ -3689,7 +4732,7 @@
           <a:p>
             <a:r>
               <a:rPr lang="en-US" dirty="0" smtClean="0"/>
-              <a:t>Efficient Low Rank Approximations</a:t>
+              <a:t>Space-partitioning trees</a:t>
             </a:r>
             <a:endParaRPr lang="en-US" dirty="0"/>
           </a:p>
@@ -3705,64 +4748,187 @@
             <p:ph idx="1"/>
           </p:nvPr>
         </p:nvSpPr>
-        <p:spPr/>
-        <p:txBody>
-          <a:bodyPr/>
-          <a:lstStyle/>
-          <a:p>
-            <a:r>
-              <a:rPr lang="en-US" dirty="0" smtClean="0"/>
-              <a:t>To find a subspace that approximates the solution accurately, one at least needs an </a:t>
-            </a:r>
-            <a:r>
-              <a:rPr lang="en-US" dirty="0" err="1" smtClean="0"/>
-              <a:t>eigendecomposition</a:t>
-            </a:r>
-            <a:r>
-              <a:rPr lang="en-US" dirty="0" smtClean="0"/>
-              <a:t>, which is prohibitive.</a:t>
-            </a:r>
-          </a:p>
-          <a:p>
-            <a:r>
-              <a:rPr lang="en-US" dirty="0" smtClean="0"/>
-              <a:t>Randomized and Greedy versions</a:t>
-            </a:r>
-          </a:p>
-          <a:p>
-            <a:pPr marL="514350" indent="-514350">
-              <a:buAutoNum type="arabicParenR"/>
+        <p:spPr>
+          <a:xfrm>
+            <a:off x="457200" y="1600201"/>
+            <a:ext cx="8229600" cy="1828800"/>
+          </a:xfrm>
+        </p:spPr>
+        <p:txBody>
+          <a:bodyPr>
+            <a:normAutofit/>
+          </a:bodyPr>
+          <a:lstStyle/>
+          <a:p>
+            <a:r>
+              <a:rPr lang="en-US" sz="2400" dirty="0" smtClean="0"/>
+              <a:t>K-d trees form a </a:t>
+            </a:r>
+            <a:r>
+              <a:rPr lang="en-US" sz="2400" b="1" dirty="0" smtClean="0">
+                <a:solidFill>
+                  <a:srgbClr val="FF0000"/>
+                </a:solidFill>
+              </a:rPr>
+              <a:t>hierarchical partitioning</a:t>
+            </a:r>
+            <a:r>
+              <a:rPr lang="en-US" sz="2400" dirty="0" smtClean="0"/>
+              <a:t> of the data.</a:t>
+            </a:r>
+          </a:p>
+          <a:p>
+            <a:endParaRPr lang="en-US" sz="2400" dirty="0" smtClean="0"/>
+          </a:p>
+          <a:p>
+            <a:r>
+              <a:rPr lang="en-US" sz="2400" dirty="0" smtClean="0"/>
+              <a:t>Nearest neighbors in O(log n).</a:t>
+            </a:r>
+            <a:endParaRPr lang="en-US" sz="2400" dirty="0"/>
+          </a:p>
+        </p:txBody>
+      </p:sp>
+      <p:pic>
+        <p:nvPicPr>
+          <p:cNvPr id="4" name="Picture 3"/>
+          <p:cNvPicPr>
+            <a:picLocks noChangeAspect="1"/>
+          </p:cNvPicPr>
+          <p:nvPr/>
+        </p:nvPicPr>
+        <p:blipFill>
+          <a:blip r:embed="rId2">
+            <a:extLst>
+              <a:ext uri="{28A0092B-C50C-407E-A947-70E740481C1C}">
+                <a14:useLocalDpi xmlns:a14="http://schemas.microsoft.com/office/drawing/2010/main" val="0"/>
+              </a:ext>
+            </a:extLst>
+          </a:blip>
+          <a:stretch>
+            <a:fillRect/>
+          </a:stretch>
+        </p:blipFill>
+        <p:spPr>
+          <a:xfrm>
+            <a:off x="6019800" y="2438400"/>
+            <a:ext cx="2930170" cy="2785800"/>
+          </a:xfrm>
+          <a:prstGeom prst="rect">
+            <a:avLst/>
+          </a:prstGeom>
+        </p:spPr>
+      </p:pic>
+      <p:sp>
+        <p:nvSpPr>
+          <p:cNvPr id="5" name="TextBox 4"/>
+          <p:cNvSpPr txBox="1"/>
+          <p:nvPr/>
+        </p:nvSpPr>
+        <p:spPr>
+          <a:xfrm>
+            <a:off x="469751" y="2743200"/>
+            <a:ext cx="5550049" cy="4278094"/>
+          </a:xfrm>
+          <a:prstGeom prst="rect">
+            <a:avLst/>
+          </a:prstGeom>
+          <a:noFill/>
+        </p:spPr>
+        <p:txBody>
+          <a:bodyPr wrap="square" rtlCol="0">
+            <a:spAutoFit/>
+          </a:bodyPr>
+          <a:lstStyle/>
+          <a:p>
+            <a:endParaRPr lang="en-US" sz="2800" b="1" dirty="0" smtClean="0"/>
+          </a:p>
+          <a:p>
+            <a:pPr marL="285750" indent="-285750">
+              <a:buFont typeface="Arial" pitchFamily="34" charset="0"/>
+              <a:buChar char="•"/>
             </a:pPr>
             <a:r>
-              <a:rPr lang="en-US" dirty="0" smtClean="0"/>
-              <a:t>Nystrom’s Method</a:t>
-            </a:r>
-          </a:p>
-          <a:p>
-            <a:pPr marL="514350" indent="-514350">
-              <a:buAutoNum type="arabicParenR"/>
+              <a:rPr lang="en-US" sz="2400" dirty="0" err="1" smtClean="0"/>
+              <a:t>Shen</a:t>
+            </a:r>
+            <a:r>
+              <a:rPr lang="en-US" sz="2400" dirty="0" smtClean="0"/>
+              <a:t>, Ng, Seeger (2006) recursively cluster points according to their covariance with the query point.</a:t>
+            </a:r>
+          </a:p>
+          <a:p>
+            <a:pPr marL="285750" indent="-285750">
+              <a:buFont typeface="Arial" pitchFamily="34" charset="0"/>
+              <a:buChar char="•"/>
             </a:pPr>
-            <a:r>
-              <a:rPr lang="en-US" dirty="0" smtClean="0"/>
-              <a:t>Random Features</a:t>
-            </a:r>
-          </a:p>
-          <a:p>
-            <a:pPr marL="514350" indent="-514350">
-              <a:buAutoNum type="arabicParenR"/>
+            <a:endParaRPr lang="en-US" sz="2400" dirty="0" smtClean="0"/>
+          </a:p>
+          <a:p>
+            <a:pPr marL="285750" indent="-285750">
+              <a:buFont typeface="Arial" pitchFamily="34" charset="0"/>
+              <a:buChar char="•"/>
             </a:pPr>
             <a:r>
-              <a:rPr lang="en-US" dirty="0" smtClean="0"/>
-              <a:t>Greedy Subset Selection</a:t>
-            </a:r>
-            <a:endParaRPr lang="en-US" dirty="0"/>
+              <a:rPr lang="en-US" sz="2400" dirty="0" smtClean="0"/>
+              <a:t>Problem: k-d trees fail in high dimensional spaces.</a:t>
+            </a:r>
+          </a:p>
+          <a:p>
+            <a:pPr marL="285750" indent="-285750">
+              <a:buFont typeface="Arial" pitchFamily="34" charset="0"/>
+              <a:buChar char="•"/>
+            </a:pPr>
+            <a:endParaRPr lang="en-US" sz="2400" dirty="0" smtClean="0"/>
+          </a:p>
+          <a:p>
+            <a:pPr marL="285750" indent="-285750">
+              <a:buFont typeface="Arial" pitchFamily="34" charset="0"/>
+              <a:buChar char="•"/>
+            </a:pPr>
+            <a:r>
+              <a:rPr lang="en-US" sz="2400" smtClean="0"/>
+              <a:t>Potential solutions: </a:t>
+            </a:r>
+            <a:r>
+              <a:rPr lang="en-US" sz="2400" b="1" dirty="0" smtClean="0">
+                <a:solidFill>
+                  <a:srgbClr val="C00000"/>
+                </a:solidFill>
+              </a:rPr>
+              <a:t>cover trees </a:t>
+            </a:r>
+            <a:r>
+              <a:rPr lang="en-US" sz="2400" dirty="0" smtClean="0"/>
+              <a:t>or </a:t>
+            </a:r>
+            <a:r>
+              <a:rPr lang="en-US" sz="2400" b="1" dirty="0" smtClean="0">
+                <a:solidFill>
+                  <a:srgbClr val="7030A0"/>
+                </a:solidFill>
+              </a:rPr>
+              <a:t>ball trees</a:t>
+            </a:r>
+            <a:r>
+              <a:rPr lang="en-US" sz="2400" b="1" dirty="0" smtClean="0"/>
+              <a:t>.</a:t>
+            </a:r>
+            <a:endParaRPr lang="en-US" sz="2400" dirty="0" smtClean="0"/>
+          </a:p>
+          <a:p>
+            <a:pPr marL="285750" indent="-285750">
+              <a:buFont typeface="Arial" pitchFamily="34" charset="0"/>
+              <a:buChar char="•"/>
+            </a:pPr>
+            <a:endParaRPr lang="en-US" sz="2800" dirty="0"/>
           </a:p>
         </p:txBody>
       </p:sp>
     </p:spTree>
     <p:extLst>
       <p:ext uri="{BB962C8B-B14F-4D97-AF65-F5344CB8AC3E}">
-        <p14:creationId xmlns:p14="http://schemas.microsoft.com/office/powerpoint/2010/main" val="3139598916"/>
+        <p14:creationId xmlns:p14="http://schemas.microsoft.com/office/powerpoint/2010/main" val="1478990131"/>
       </p:ext>
     </p:extLst>
   </p:cSld>
@@ -3772,14 +4938,14 @@
   <p:timing>
     <p:tnLst>
       <p:par>
-        <p:cTn xmlns:p14="http://schemas.microsoft.com/office/powerpoint/2010/main" id="1" dur="indefinite" restart="never" nodeType="tmRoot"/>
+        <p:cTn id="1" dur="indefinite" restart="never" nodeType="tmRoot"/>
       </p:par>
     </p:tnLst>
   </p:timing>
 </p:sld>
 </file>
 
-<file path=ppt/slides/slide5.xml><?xml version="1.0" encoding="utf-8"?>
+<file path=ppt/slides/slide8.xml><?xml version="1.0" encoding="utf-8"?>
 <p:sld xmlns:a="http://schemas.openxmlformats.org/drawingml/2006/main" xmlns:r="http://schemas.openxmlformats.org/officeDocument/2006/relationships" xmlns:p="http://schemas.openxmlformats.org/presentationml/2006/main">
   <p:cSld>
     <p:spTree>
@@ -3894,7 +5060,7 @@
     </p:spTree>
     <p:extLst>
       <p:ext uri="{BB962C8B-B14F-4D97-AF65-F5344CB8AC3E}">
-        <p14:creationId xmlns:p14="http://schemas.microsoft.com/office/powerpoint/2010/main" val="3778825029"/>
+        <p14:creationId xmlns:p14="http://schemas.microsoft.com/office/powerpoint/2010/main" val="3670581431"/>
       </p:ext>
     </p:extLst>
   </p:cSld>
@@ -3904,7 +5070,7 @@
   <p:timing>
     <p:tnLst>
       <p:par>
-        <p:cTn xmlns:p14="http://schemas.microsoft.com/office/powerpoint/2010/main" id="1" dur="indefinite" restart="never" nodeType="tmRoot"/>
+        <p:cTn id="1" dur="indefinite" restart="never" nodeType="tmRoot"/>
       </p:par>
     </p:tnLst>
   </p:timing>
@@ -4056,16 +5222,20 @@
           <a:gsLst>
             <a:gs pos="0">
               <a:schemeClr val="phClr">
-                <a:tint val="100000"/>
-                <a:shade val="100000"/>
+                <a:shade val="51000"/>
+                <a:satMod val="130000"/>
+              </a:schemeClr>
+            </a:gs>
+            <a:gs pos="80000">
+              <a:schemeClr val="phClr">
+                <a:shade val="93000"/>
                 <a:satMod val="130000"/>
               </a:schemeClr>
             </a:gs>
             <a:gs pos="100000">
               <a:schemeClr val="phClr">
-                <a:tint val="50000"/>
-                <a:shade val="100000"/>
-                <a:satMod val="350000"/>
+                <a:shade val="94000"/>
+                <a:satMod val="135000"/>
               </a:schemeClr>
             </a:gs>
           </a:gsLst>
@@ -4187,46 +5357,7 @@
       </a:bgFillStyleLst>
     </a:fmtScheme>
   </a:themeElements>
-  <a:objectDefaults>
-    <a:spDef>
-      <a:spPr/>
-      <a:bodyPr/>
-      <a:lstStyle/>
-      <a:style>
-        <a:lnRef idx="1">
-          <a:schemeClr val="accent1"/>
-        </a:lnRef>
-        <a:fillRef idx="3">
-          <a:schemeClr val="accent1"/>
-        </a:fillRef>
-        <a:effectRef idx="2">
-          <a:schemeClr val="accent1"/>
-        </a:effectRef>
-        <a:fontRef idx="minor">
-          <a:schemeClr val="lt1"/>
-        </a:fontRef>
-      </a:style>
-    </a:spDef>
-    <a:lnDef>
-      <a:spPr/>
-      <a:bodyPr/>
-      <a:lstStyle/>
-      <a:style>
-        <a:lnRef idx="2">
-          <a:schemeClr val="accent1"/>
-        </a:lnRef>
-        <a:fillRef idx="0">
-          <a:schemeClr val="accent1"/>
-        </a:fillRef>
-        <a:effectRef idx="1">
-          <a:schemeClr val="accent1"/>
-        </a:effectRef>
-        <a:fontRef idx="minor">
-          <a:schemeClr val="tx1"/>
-        </a:fontRef>
-      </a:style>
-    </a:lnDef>
-  </a:objectDefaults>
+  <a:objectDefaults/>
   <a:extraClrSchemeLst/>
 </a:theme>
 </file>